--- a/14-ANN.pptx
+++ b/14-ANN.pptx
@@ -11129,6 +11129,13 @@
   <p:clrMapOvr>
     <a:masterClrMapping/>
   </p:clrMapOvr>
+  <p:timing>
+    <p:tnLst>
+      <p:par>
+        <p:cTn id="1" dur="indefinite" restart="never" nodeType="tmRoot"/>
+      </p:par>
+    </p:tnLst>
+  </p:timing>
 </p:sld>
 </file>
 
@@ -11809,6 +11816,13 @@
   <p:clrMapOvr>
     <a:masterClrMapping/>
   </p:clrMapOvr>
+  <p:timing>
+    <p:tnLst>
+      <p:par>
+        <p:cTn id="1" dur="indefinite" restart="never" nodeType="tmRoot"/>
+      </p:par>
+    </p:tnLst>
+  </p:timing>
 </p:sld>
 </file>
 
@@ -13215,6 +13229,13 @@
   <p:clrMapOvr>
     <a:masterClrMapping/>
   </p:clrMapOvr>
+  <p:timing>
+    <p:tnLst>
+      <p:par>
+        <p:cTn id="1" dur="indefinite" restart="never" nodeType="tmRoot"/>
+      </p:par>
+    </p:tnLst>
+  </p:timing>
 </p:sld>
 </file>
 
@@ -13422,6 +13443,13 @@
   <p:clrMapOvr>
     <a:masterClrMapping/>
   </p:clrMapOvr>
+  <p:timing>
+    <p:tnLst>
+      <p:par>
+        <p:cTn id="1" dur="indefinite" restart="never" nodeType="tmRoot"/>
+      </p:par>
+    </p:tnLst>
+  </p:timing>
 </p:sld>
 </file>
 
@@ -13629,6 +13657,13 @@
   <p:clrMapOvr>
     <a:masterClrMapping/>
   </p:clrMapOvr>
+  <p:timing>
+    <p:tnLst>
+      <p:par>
+        <p:cTn id="1" dur="indefinite" restart="never" nodeType="tmRoot"/>
+      </p:par>
+    </p:tnLst>
+  </p:timing>
 </p:sld>
 </file>
 
@@ -13906,6 +13941,13 @@
   <p:clrMapOvr>
     <a:masterClrMapping/>
   </p:clrMapOvr>
+  <p:timing>
+    <p:tnLst>
+      <p:par>
+        <p:cTn id="1" dur="indefinite" restart="never" nodeType="tmRoot"/>
+      </p:par>
+    </p:tnLst>
+  </p:timing>
 </p:sld>
 </file>
 

--- a/14-ANN.pptx
+++ b/14-ANN.pptx
@@ -5,7 +5,7 @@
     <p:sldMasterId id="2147483661" r:id="rId1"/>
   </p:sldMasterIdLst>
   <p:notesMasterIdLst>
-    <p:notesMasterId r:id="rId24"/>
+    <p:notesMasterId r:id="rId19"/>
   </p:notesMasterIdLst>
   <p:sldIdLst>
     <p:sldId id="274" r:id="rId2"/>
@@ -25,11 +25,6 @@
     <p:sldId id="265" r:id="rId16"/>
     <p:sldId id="266" r:id="rId17"/>
     <p:sldId id="267" r:id="rId18"/>
-    <p:sldId id="268" r:id="rId19"/>
-    <p:sldId id="269" r:id="rId20"/>
-    <p:sldId id="270" r:id="rId21"/>
-    <p:sldId id="271" r:id="rId22"/>
-    <p:sldId id="273" r:id="rId23"/>
   </p:sldIdLst>
   <p:sldSz cx="9144000" cy="6858000" type="screen4x3"/>
   <p:notesSz cx="6858000" cy="9144000"/>
@@ -2858,306 +2853,6 @@
 </p:notes>
 </file>
 
-<file path=ppt/notesSlides/notesSlide18.xml><?xml version="1.0" encoding="utf-8"?>
-<p:notes xmlns:a="http://schemas.openxmlformats.org/drawingml/2006/main" xmlns:r="http://schemas.openxmlformats.org/officeDocument/2006/relationships" xmlns:p="http://schemas.openxmlformats.org/presentationml/2006/main" showMasterSp="0" showMasterPhAnim="0">
-  <p:cSld>
-    <p:spTree>
-      <p:nvGrpSpPr>
-        <p:cNvPr id="1" name="Shape 376"/>
-        <p:cNvGrpSpPr/>
-        <p:nvPr/>
-      </p:nvGrpSpPr>
-      <p:grpSpPr>
-        <a:xfrm>
-          <a:off x="0" y="0"/>
-          <a:ext cx="0" cy="0"/>
-          <a:chOff x="0" y="0"/>
-          <a:chExt cx="0" cy="0"/>
-        </a:xfrm>
-      </p:grpSpPr>
-      <p:sp>
-        <p:nvSpPr>
-          <p:cNvPr id="377" name="Shape 377"/>
-          <p:cNvSpPr>
-            <a:spLocks noGrp="1" noRot="1" noChangeAspect="1"/>
-          </p:cNvSpPr>
-          <p:nvPr>
-            <p:ph type="sldImg" idx="2"/>
-          </p:nvPr>
-        </p:nvSpPr>
-        <p:spPr>
-          <a:xfrm>
-            <a:off x="1143000" y="685800"/>
-            <a:ext cx="4572000" cy="3429000"/>
-          </a:xfrm>
-          <a:custGeom>
-            <a:avLst/>
-            <a:gdLst/>
-            <a:ahLst/>
-            <a:cxnLst/>
-            <a:rect l="0" t="0" r="0" b="0"/>
-            <a:pathLst>
-              <a:path w="120000" h="120000" extrusionOk="0">
-                <a:moveTo>
-                  <a:pt x="0" y="0"/>
-                </a:moveTo>
-                <a:lnTo>
-                  <a:pt x="120000" y="0"/>
-                </a:lnTo>
-                <a:lnTo>
-                  <a:pt x="120000" y="120000"/>
-                </a:lnTo>
-                <a:lnTo>
-                  <a:pt x="0" y="120000"/>
-                </a:lnTo>
-                <a:close/>
-              </a:path>
-            </a:pathLst>
-          </a:custGeom>
-        </p:spPr>
-      </p:sp>
-      <p:sp>
-        <p:nvSpPr>
-          <p:cNvPr id="378" name="Shape 378"/>
-          <p:cNvSpPr txBox="1">
-            <a:spLocks noGrp="1"/>
-          </p:cNvSpPr>
-          <p:nvPr>
-            <p:ph type="body" idx="1"/>
-          </p:nvPr>
-        </p:nvSpPr>
-        <p:spPr>
-          <a:xfrm>
-            <a:off x="914400" y="4343400"/>
-            <a:ext cx="5029200" cy="4114800"/>
-          </a:xfrm>
-          <a:prstGeom prst="rect">
-            <a:avLst/>
-          </a:prstGeom>
-        </p:spPr>
-        <p:txBody>
-          <a:bodyPr spcFirstLastPara="1" wrap="square" lIns="91425" tIns="91425" rIns="91425" bIns="91425" anchor="t" anchorCtr="0">
-            <a:noAutofit/>
-          </a:bodyPr>
-          <a:lstStyle/>
-          <a:p>
-            <a:pPr marL="0" lvl="0" indent="0">
-              <a:spcBef>
-                <a:spcPts val="0"/>
-              </a:spcBef>
-              <a:spcAft>
-                <a:spcPts val="0"/>
-              </a:spcAft>
-              <a:buNone/>
-            </a:pPr>
-            <a:endParaRPr/>
-          </a:p>
-        </p:txBody>
-      </p:sp>
-      <p:sp>
-        <p:nvSpPr>
-          <p:cNvPr id="379" name="Shape 379"/>
-          <p:cNvSpPr txBox="1">
-            <a:spLocks noGrp="1"/>
-          </p:cNvSpPr>
-          <p:nvPr>
-            <p:ph type="sldNum" idx="12"/>
-          </p:nvPr>
-        </p:nvSpPr>
-        <p:spPr>
-          <a:xfrm>
-            <a:off x="3886200" y="8686800"/>
-            <a:ext cx="2971800" cy="457200"/>
-          </a:xfrm>
-          <a:prstGeom prst="rect">
-            <a:avLst/>
-          </a:prstGeom>
-        </p:spPr>
-        <p:txBody>
-          <a:bodyPr spcFirstLastPara="1" wrap="square" lIns="91425" tIns="45700" rIns="91425" bIns="45700" anchor="b" anchorCtr="0">
-            <a:noAutofit/>
-          </a:bodyPr>
-          <a:lstStyle/>
-          <a:p>
-            <a:pPr marL="0" lvl="0" indent="0">
-              <a:spcBef>
-                <a:spcPts val="0"/>
-              </a:spcBef>
-              <a:spcAft>
-                <a:spcPts val="0"/>
-              </a:spcAft>
-              <a:buClr>
-                <a:srgbClr val="000000"/>
-              </a:buClr>
-              <a:buFont typeface="Arial"/>
-              <a:buNone/>
-            </a:pPr>
-            <a:fld id="{00000000-1234-1234-1234-123412341234}" type="slidenum">
-              <a:rPr lang="en-US"/>
-              <a:t>18</a:t>
-            </a:fld>
-            <a:endParaRPr sz="1400"/>
-          </a:p>
-        </p:txBody>
-      </p:sp>
-    </p:spTree>
-  </p:cSld>
-  <p:clrMapOvr>
-    <a:masterClrMapping/>
-  </p:clrMapOvr>
-</p:notes>
-</file>
-
-<file path=ppt/notesSlides/notesSlide19.xml><?xml version="1.0" encoding="utf-8"?>
-<p:notes xmlns:a="http://schemas.openxmlformats.org/drawingml/2006/main" xmlns:r="http://schemas.openxmlformats.org/officeDocument/2006/relationships" xmlns:p="http://schemas.openxmlformats.org/presentationml/2006/main" showMasterSp="0" showMasterPhAnim="0">
-  <p:cSld>
-    <p:spTree>
-      <p:nvGrpSpPr>
-        <p:cNvPr id="1" name="Shape 384"/>
-        <p:cNvGrpSpPr/>
-        <p:nvPr/>
-      </p:nvGrpSpPr>
-      <p:grpSpPr>
-        <a:xfrm>
-          <a:off x="0" y="0"/>
-          <a:ext cx="0" cy="0"/>
-          <a:chOff x="0" y="0"/>
-          <a:chExt cx="0" cy="0"/>
-        </a:xfrm>
-      </p:grpSpPr>
-      <p:sp>
-        <p:nvSpPr>
-          <p:cNvPr id="385" name="Shape 385"/>
-          <p:cNvSpPr>
-            <a:spLocks noGrp="1" noRot="1" noChangeAspect="1"/>
-          </p:cNvSpPr>
-          <p:nvPr>
-            <p:ph type="sldImg" idx="2"/>
-          </p:nvPr>
-        </p:nvSpPr>
-        <p:spPr>
-          <a:xfrm>
-            <a:off x="1143000" y="685800"/>
-            <a:ext cx="4572000" cy="3429000"/>
-          </a:xfrm>
-          <a:custGeom>
-            <a:avLst/>
-            <a:gdLst/>
-            <a:ahLst/>
-            <a:cxnLst/>
-            <a:rect l="0" t="0" r="0" b="0"/>
-            <a:pathLst>
-              <a:path w="120000" h="120000" extrusionOk="0">
-                <a:moveTo>
-                  <a:pt x="0" y="0"/>
-                </a:moveTo>
-                <a:lnTo>
-                  <a:pt x="120000" y="0"/>
-                </a:lnTo>
-                <a:lnTo>
-                  <a:pt x="120000" y="120000"/>
-                </a:lnTo>
-                <a:lnTo>
-                  <a:pt x="0" y="120000"/>
-                </a:lnTo>
-                <a:close/>
-              </a:path>
-            </a:pathLst>
-          </a:custGeom>
-        </p:spPr>
-      </p:sp>
-      <p:sp>
-        <p:nvSpPr>
-          <p:cNvPr id="386" name="Shape 386"/>
-          <p:cNvSpPr txBox="1">
-            <a:spLocks noGrp="1"/>
-          </p:cNvSpPr>
-          <p:nvPr>
-            <p:ph type="body" idx="1"/>
-          </p:nvPr>
-        </p:nvSpPr>
-        <p:spPr>
-          <a:xfrm>
-            <a:off x="914400" y="4343400"/>
-            <a:ext cx="5029200" cy="4114800"/>
-          </a:xfrm>
-          <a:prstGeom prst="rect">
-            <a:avLst/>
-          </a:prstGeom>
-        </p:spPr>
-        <p:txBody>
-          <a:bodyPr spcFirstLastPara="1" wrap="square" lIns="91425" tIns="91425" rIns="91425" bIns="91425" anchor="t" anchorCtr="0">
-            <a:noAutofit/>
-          </a:bodyPr>
-          <a:lstStyle/>
-          <a:p>
-            <a:pPr marL="0" lvl="0" indent="0">
-              <a:spcBef>
-                <a:spcPts val="0"/>
-              </a:spcBef>
-              <a:spcAft>
-                <a:spcPts val="0"/>
-              </a:spcAft>
-              <a:buNone/>
-            </a:pPr>
-            <a:endParaRPr/>
-          </a:p>
-        </p:txBody>
-      </p:sp>
-      <p:sp>
-        <p:nvSpPr>
-          <p:cNvPr id="387" name="Shape 387"/>
-          <p:cNvSpPr txBox="1">
-            <a:spLocks noGrp="1"/>
-          </p:cNvSpPr>
-          <p:nvPr>
-            <p:ph type="sldNum" idx="12"/>
-          </p:nvPr>
-        </p:nvSpPr>
-        <p:spPr>
-          <a:xfrm>
-            <a:off x="3886200" y="8686800"/>
-            <a:ext cx="2971800" cy="457200"/>
-          </a:xfrm>
-          <a:prstGeom prst="rect">
-            <a:avLst/>
-          </a:prstGeom>
-        </p:spPr>
-        <p:txBody>
-          <a:bodyPr spcFirstLastPara="1" wrap="square" lIns="91425" tIns="45700" rIns="91425" bIns="45700" anchor="b" anchorCtr="0">
-            <a:noAutofit/>
-          </a:bodyPr>
-          <a:lstStyle/>
-          <a:p>
-            <a:pPr marL="0" lvl="0" indent="0">
-              <a:spcBef>
-                <a:spcPts val="0"/>
-              </a:spcBef>
-              <a:spcAft>
-                <a:spcPts val="0"/>
-              </a:spcAft>
-              <a:buClr>
-                <a:srgbClr val="000000"/>
-              </a:buClr>
-              <a:buFont typeface="Arial"/>
-              <a:buNone/>
-            </a:pPr>
-            <a:fld id="{00000000-1234-1234-1234-123412341234}" type="slidenum">
-              <a:rPr lang="en-US"/>
-              <a:t>19</a:t>
-            </a:fld>
-            <a:endParaRPr sz="1400"/>
-          </a:p>
-        </p:txBody>
-      </p:sp>
-    </p:spTree>
-  </p:cSld>
-  <p:clrMapOvr>
-    <a:masterClrMapping/>
-  </p:clrMapOvr>
-</p:notes>
-</file>
-
 <file path=ppt/notesSlides/notesSlide2.xml><?xml version="1.0" encoding="utf-8"?>
 <p:notes xmlns:a="http://schemas.openxmlformats.org/drawingml/2006/main" xmlns:r="http://schemas.openxmlformats.org/officeDocument/2006/relationships" xmlns:p="http://schemas.openxmlformats.org/presentationml/2006/main" showMasterSp="0" showMasterPhAnim="0">
   <p:cSld>
@@ -3316,448 +3011,6 @@
               <a:buNone/>
             </a:pPr>
             <a:endParaRPr sz="1800" b="0" i="0" u="none" strike="noStrike" cap="none"/>
-          </a:p>
-        </p:txBody>
-      </p:sp>
-    </p:spTree>
-  </p:cSld>
-  <p:clrMapOvr>
-    <a:masterClrMapping/>
-  </p:clrMapOvr>
-</p:notes>
-</file>
-
-<file path=ppt/notesSlides/notesSlide20.xml><?xml version="1.0" encoding="utf-8"?>
-<p:notes xmlns:a="http://schemas.openxmlformats.org/drawingml/2006/main" xmlns:r="http://schemas.openxmlformats.org/officeDocument/2006/relationships" xmlns:p="http://schemas.openxmlformats.org/presentationml/2006/main" showMasterSp="0" showMasterPhAnim="0">
-  <p:cSld>
-    <p:spTree>
-      <p:nvGrpSpPr>
-        <p:cNvPr id="1" name="Shape 391"/>
-        <p:cNvGrpSpPr/>
-        <p:nvPr/>
-      </p:nvGrpSpPr>
-      <p:grpSpPr>
-        <a:xfrm>
-          <a:off x="0" y="0"/>
-          <a:ext cx="0" cy="0"/>
-          <a:chOff x="0" y="0"/>
-          <a:chExt cx="0" cy="0"/>
-        </a:xfrm>
-      </p:grpSpPr>
-      <p:sp>
-        <p:nvSpPr>
-          <p:cNvPr id="392" name="Shape 392"/>
-          <p:cNvSpPr>
-            <a:spLocks noGrp="1" noRot="1" noChangeAspect="1"/>
-          </p:cNvSpPr>
-          <p:nvPr>
-            <p:ph type="sldImg" idx="2"/>
-          </p:nvPr>
-        </p:nvSpPr>
-        <p:spPr>
-          <a:xfrm>
-            <a:off x="1143000" y="685800"/>
-            <a:ext cx="4572000" cy="3429000"/>
-          </a:xfrm>
-          <a:custGeom>
-            <a:avLst/>
-            <a:gdLst/>
-            <a:ahLst/>
-            <a:cxnLst/>
-            <a:rect l="0" t="0" r="0" b="0"/>
-            <a:pathLst>
-              <a:path w="120000" h="120000" extrusionOk="0">
-                <a:moveTo>
-                  <a:pt x="0" y="0"/>
-                </a:moveTo>
-                <a:lnTo>
-                  <a:pt x="120000" y="0"/>
-                </a:lnTo>
-                <a:lnTo>
-                  <a:pt x="120000" y="120000"/>
-                </a:lnTo>
-                <a:lnTo>
-                  <a:pt x="0" y="120000"/>
-                </a:lnTo>
-                <a:close/>
-              </a:path>
-            </a:pathLst>
-          </a:custGeom>
-        </p:spPr>
-      </p:sp>
-      <p:sp>
-        <p:nvSpPr>
-          <p:cNvPr id="393" name="Shape 393"/>
-          <p:cNvSpPr txBox="1">
-            <a:spLocks noGrp="1"/>
-          </p:cNvSpPr>
-          <p:nvPr>
-            <p:ph type="body" idx="1"/>
-          </p:nvPr>
-        </p:nvSpPr>
-        <p:spPr>
-          <a:xfrm>
-            <a:off x="914400" y="4343400"/>
-            <a:ext cx="5029200" cy="4114800"/>
-          </a:xfrm>
-          <a:prstGeom prst="rect">
-            <a:avLst/>
-          </a:prstGeom>
-        </p:spPr>
-        <p:txBody>
-          <a:bodyPr spcFirstLastPara="1" wrap="square" lIns="91425" tIns="91425" rIns="91425" bIns="91425" anchor="t" anchorCtr="0">
-            <a:noAutofit/>
-          </a:bodyPr>
-          <a:lstStyle/>
-          <a:p>
-            <a:pPr marL="0" lvl="0" indent="0" rtl="0">
-              <a:spcBef>
-                <a:spcPts val="0"/>
-              </a:spcBef>
-              <a:spcAft>
-                <a:spcPts val="0"/>
-              </a:spcAft>
-              <a:buNone/>
-            </a:pPr>
-            <a:endParaRPr/>
-          </a:p>
-        </p:txBody>
-      </p:sp>
-      <p:sp>
-        <p:nvSpPr>
-          <p:cNvPr id="394" name="Shape 394"/>
-          <p:cNvSpPr txBox="1">
-            <a:spLocks noGrp="1"/>
-          </p:cNvSpPr>
-          <p:nvPr>
-            <p:ph type="sldNum" idx="12"/>
-          </p:nvPr>
-        </p:nvSpPr>
-        <p:spPr>
-          <a:xfrm>
-            <a:off x="3886200" y="8686800"/>
-            <a:ext cx="2971800" cy="457200"/>
-          </a:xfrm>
-          <a:prstGeom prst="rect">
-            <a:avLst/>
-          </a:prstGeom>
-        </p:spPr>
-        <p:txBody>
-          <a:bodyPr spcFirstLastPara="1" wrap="square" lIns="91425" tIns="45700" rIns="91425" bIns="45700" anchor="b" anchorCtr="0">
-            <a:noAutofit/>
-          </a:bodyPr>
-          <a:lstStyle/>
-          <a:p>
-            <a:pPr marL="0" lvl="0" indent="0" rtl="0">
-              <a:spcBef>
-                <a:spcPts val="0"/>
-              </a:spcBef>
-              <a:spcAft>
-                <a:spcPts val="0"/>
-              </a:spcAft>
-              <a:buNone/>
-            </a:pPr>
-            <a:fld id="{00000000-1234-1234-1234-123412341234}" type="slidenum">
-              <a:rPr lang="en-US"/>
-              <a:t>20</a:t>
-            </a:fld>
-            <a:endParaRPr sz="1400"/>
-          </a:p>
-        </p:txBody>
-      </p:sp>
-    </p:spTree>
-  </p:cSld>
-  <p:clrMapOvr>
-    <a:masterClrMapping/>
-  </p:clrMapOvr>
-</p:notes>
-</file>
-
-<file path=ppt/notesSlides/notesSlide21.xml><?xml version="1.0" encoding="utf-8"?>
-<p:notes xmlns:a="http://schemas.openxmlformats.org/drawingml/2006/main" xmlns:r="http://schemas.openxmlformats.org/officeDocument/2006/relationships" xmlns:p="http://schemas.openxmlformats.org/presentationml/2006/main" showMasterSp="0" showMasterPhAnim="0">
-  <p:cSld>
-    <p:spTree>
-      <p:nvGrpSpPr>
-        <p:cNvPr id="1" name="Shape 398"/>
-        <p:cNvGrpSpPr/>
-        <p:nvPr/>
-      </p:nvGrpSpPr>
-      <p:grpSpPr>
-        <a:xfrm>
-          <a:off x="0" y="0"/>
-          <a:ext cx="0" cy="0"/>
-          <a:chOff x="0" y="0"/>
-          <a:chExt cx="0" cy="0"/>
-        </a:xfrm>
-      </p:grpSpPr>
-      <p:sp>
-        <p:nvSpPr>
-          <p:cNvPr id="399" name="Shape 399"/>
-          <p:cNvSpPr>
-            <a:spLocks noGrp="1" noRot="1" noChangeAspect="1"/>
-          </p:cNvSpPr>
-          <p:nvPr>
-            <p:ph type="sldImg" idx="2"/>
-          </p:nvPr>
-        </p:nvSpPr>
-        <p:spPr>
-          <a:xfrm>
-            <a:off x="1143000" y="685800"/>
-            <a:ext cx="4572000" cy="3429000"/>
-          </a:xfrm>
-          <a:custGeom>
-            <a:avLst/>
-            <a:gdLst/>
-            <a:ahLst/>
-            <a:cxnLst/>
-            <a:rect l="0" t="0" r="0" b="0"/>
-            <a:pathLst>
-              <a:path w="120000" h="120000" extrusionOk="0">
-                <a:moveTo>
-                  <a:pt x="0" y="0"/>
-                </a:moveTo>
-                <a:lnTo>
-                  <a:pt x="120000" y="0"/>
-                </a:lnTo>
-                <a:lnTo>
-                  <a:pt x="120000" y="120000"/>
-                </a:lnTo>
-                <a:lnTo>
-                  <a:pt x="0" y="120000"/>
-                </a:lnTo>
-                <a:close/>
-              </a:path>
-            </a:pathLst>
-          </a:custGeom>
-        </p:spPr>
-      </p:sp>
-      <p:sp>
-        <p:nvSpPr>
-          <p:cNvPr id="400" name="Shape 400"/>
-          <p:cNvSpPr txBox="1">
-            <a:spLocks noGrp="1"/>
-          </p:cNvSpPr>
-          <p:nvPr>
-            <p:ph type="body" idx="1"/>
-          </p:nvPr>
-        </p:nvSpPr>
-        <p:spPr>
-          <a:xfrm>
-            <a:off x="914400" y="4343400"/>
-            <a:ext cx="5029200" cy="4114800"/>
-          </a:xfrm>
-          <a:prstGeom prst="rect">
-            <a:avLst/>
-          </a:prstGeom>
-        </p:spPr>
-        <p:txBody>
-          <a:bodyPr spcFirstLastPara="1" wrap="square" lIns="91425" tIns="91425" rIns="91425" bIns="91425" anchor="t" anchorCtr="0">
-            <a:noAutofit/>
-          </a:bodyPr>
-          <a:lstStyle/>
-          <a:p>
-            <a:pPr marL="0" lvl="0" indent="0" rtl="0">
-              <a:spcBef>
-                <a:spcPts val="0"/>
-              </a:spcBef>
-              <a:spcAft>
-                <a:spcPts val="0"/>
-              </a:spcAft>
-              <a:buNone/>
-            </a:pPr>
-            <a:endParaRPr/>
-          </a:p>
-        </p:txBody>
-      </p:sp>
-      <p:sp>
-        <p:nvSpPr>
-          <p:cNvPr id="401" name="Shape 401"/>
-          <p:cNvSpPr txBox="1">
-            <a:spLocks noGrp="1"/>
-          </p:cNvSpPr>
-          <p:nvPr>
-            <p:ph type="sldNum" idx="12"/>
-          </p:nvPr>
-        </p:nvSpPr>
-        <p:spPr>
-          <a:xfrm>
-            <a:off x="3886200" y="8686800"/>
-            <a:ext cx="2971800" cy="457200"/>
-          </a:xfrm>
-          <a:prstGeom prst="rect">
-            <a:avLst/>
-          </a:prstGeom>
-        </p:spPr>
-        <p:txBody>
-          <a:bodyPr spcFirstLastPara="1" wrap="square" lIns="91425" tIns="45700" rIns="91425" bIns="45700" anchor="b" anchorCtr="0">
-            <a:noAutofit/>
-          </a:bodyPr>
-          <a:lstStyle/>
-          <a:p>
-            <a:pPr marL="0" lvl="0" indent="0" rtl="0">
-              <a:spcBef>
-                <a:spcPts val="0"/>
-              </a:spcBef>
-              <a:spcAft>
-                <a:spcPts val="0"/>
-              </a:spcAft>
-              <a:buNone/>
-            </a:pPr>
-            <a:fld id="{00000000-1234-1234-1234-123412341234}" type="slidenum">
-              <a:rPr lang="en-US"/>
-              <a:t>21</a:t>
-            </a:fld>
-            <a:endParaRPr sz="1400"/>
-          </a:p>
-        </p:txBody>
-      </p:sp>
-    </p:spTree>
-  </p:cSld>
-  <p:clrMapOvr>
-    <a:masterClrMapping/>
-  </p:clrMapOvr>
-</p:notes>
-</file>
-
-<file path=ppt/notesSlides/notesSlide22.xml><?xml version="1.0" encoding="utf-8"?>
-<p:notes xmlns:a="http://schemas.openxmlformats.org/drawingml/2006/main" xmlns:r="http://schemas.openxmlformats.org/officeDocument/2006/relationships" xmlns:p="http://schemas.openxmlformats.org/presentationml/2006/main" showMasterSp="0" showMasterPhAnim="0">
-  <p:cSld>
-    <p:spTree>
-      <p:nvGrpSpPr>
-        <p:cNvPr id="1" name="Shape 412"/>
-        <p:cNvGrpSpPr/>
-        <p:nvPr/>
-      </p:nvGrpSpPr>
-      <p:grpSpPr>
-        <a:xfrm>
-          <a:off x="0" y="0"/>
-          <a:ext cx="0" cy="0"/>
-          <a:chOff x="0" y="0"/>
-          <a:chExt cx="0" cy="0"/>
-        </a:xfrm>
-      </p:grpSpPr>
-      <p:sp>
-        <p:nvSpPr>
-          <p:cNvPr id="413" name="Shape 413"/>
-          <p:cNvSpPr>
-            <a:spLocks noGrp="1" noRot="1" noChangeAspect="1"/>
-          </p:cNvSpPr>
-          <p:nvPr>
-            <p:ph type="sldImg" idx="2"/>
-          </p:nvPr>
-        </p:nvSpPr>
-        <p:spPr>
-          <a:xfrm>
-            <a:off x="1143000" y="685800"/>
-            <a:ext cx="4572000" cy="3429000"/>
-          </a:xfrm>
-          <a:custGeom>
-            <a:avLst/>
-            <a:gdLst/>
-            <a:ahLst/>
-            <a:cxnLst/>
-            <a:rect l="0" t="0" r="0" b="0"/>
-            <a:pathLst>
-              <a:path w="120000" h="120000" extrusionOk="0">
-                <a:moveTo>
-                  <a:pt x="0" y="0"/>
-                </a:moveTo>
-                <a:lnTo>
-                  <a:pt x="120000" y="0"/>
-                </a:lnTo>
-                <a:lnTo>
-                  <a:pt x="120000" y="120000"/>
-                </a:lnTo>
-                <a:lnTo>
-                  <a:pt x="0" y="120000"/>
-                </a:lnTo>
-                <a:close/>
-              </a:path>
-            </a:pathLst>
-          </a:custGeom>
-        </p:spPr>
-      </p:sp>
-      <p:sp>
-        <p:nvSpPr>
-          <p:cNvPr id="414" name="Shape 414"/>
-          <p:cNvSpPr txBox="1">
-            <a:spLocks noGrp="1"/>
-          </p:cNvSpPr>
-          <p:nvPr>
-            <p:ph type="body" idx="1"/>
-          </p:nvPr>
-        </p:nvSpPr>
-        <p:spPr>
-          <a:xfrm>
-            <a:off x="914400" y="4343400"/>
-            <a:ext cx="5029200" cy="4114800"/>
-          </a:xfrm>
-          <a:prstGeom prst="rect">
-            <a:avLst/>
-          </a:prstGeom>
-        </p:spPr>
-        <p:txBody>
-          <a:bodyPr spcFirstLastPara="1" wrap="square" lIns="91425" tIns="91425" rIns="91425" bIns="91425" anchor="t" anchorCtr="0">
-            <a:noAutofit/>
-          </a:bodyPr>
-          <a:lstStyle/>
-          <a:p>
-            <a:pPr marL="0" lvl="0" indent="0">
-              <a:spcBef>
-                <a:spcPts val="0"/>
-              </a:spcBef>
-              <a:spcAft>
-                <a:spcPts val="0"/>
-              </a:spcAft>
-              <a:buNone/>
-            </a:pPr>
-            <a:endParaRPr/>
-          </a:p>
-        </p:txBody>
-      </p:sp>
-      <p:sp>
-        <p:nvSpPr>
-          <p:cNvPr id="415" name="Shape 415"/>
-          <p:cNvSpPr txBox="1">
-            <a:spLocks noGrp="1"/>
-          </p:cNvSpPr>
-          <p:nvPr>
-            <p:ph type="sldNum" idx="12"/>
-          </p:nvPr>
-        </p:nvSpPr>
-        <p:spPr>
-          <a:xfrm>
-            <a:off x="3886200" y="8686800"/>
-            <a:ext cx="2971800" cy="457200"/>
-          </a:xfrm>
-          <a:prstGeom prst="rect">
-            <a:avLst/>
-          </a:prstGeom>
-        </p:spPr>
-        <p:txBody>
-          <a:bodyPr spcFirstLastPara="1" wrap="square" lIns="91425" tIns="45700" rIns="91425" bIns="45700" anchor="b" anchorCtr="0">
-            <a:noAutofit/>
-          </a:bodyPr>
-          <a:lstStyle/>
-          <a:p>
-            <a:pPr marL="0" lvl="0" indent="0">
-              <a:spcBef>
-                <a:spcPts val="0"/>
-              </a:spcBef>
-              <a:spcAft>
-                <a:spcPts val="0"/>
-              </a:spcAft>
-              <a:buClr>
-                <a:srgbClr val="000000"/>
-              </a:buClr>
-              <a:buFont typeface="Arial"/>
-              <a:buNone/>
-            </a:pPr>
-            <a:fld id="{00000000-1234-1234-1234-123412341234}" type="slidenum">
-              <a:rPr lang="en-US"/>
-              <a:t>22</a:t>
-            </a:fld>
-            <a:endParaRPr sz="1400"/>
           </a:p>
         </p:txBody>
       </p:sp>
@@ -5374,364 +4627,6 @@
 </file>
 
 <file path=ppt/slideLayouts/slideLayout10.xml><?xml version="1.0" encoding="utf-8"?>
-<p:sldLayout xmlns:a="http://schemas.openxmlformats.org/drawingml/2006/main" xmlns:r="http://schemas.openxmlformats.org/officeDocument/2006/relationships" xmlns:p="http://schemas.openxmlformats.org/presentationml/2006/main" matchingName="Big number">
-  <p:cSld name="BIG_NUMBER">
-    <p:spTree>
-      <p:nvGrpSpPr>
-        <p:cNvPr id="1" name="Shape 48"/>
-        <p:cNvGrpSpPr/>
-        <p:nvPr/>
-      </p:nvGrpSpPr>
-      <p:grpSpPr>
-        <a:xfrm>
-          <a:off x="0" y="0"/>
-          <a:ext cx="0" cy="0"/>
-          <a:chOff x="0" y="0"/>
-          <a:chExt cx="0" cy="0"/>
-        </a:xfrm>
-      </p:grpSpPr>
-      <p:sp>
-        <p:nvSpPr>
-          <p:cNvPr id="49" name="Shape 49"/>
-          <p:cNvSpPr txBox="1">
-            <a:spLocks noGrp="1"/>
-          </p:cNvSpPr>
-          <p:nvPr>
-            <p:ph type="title"/>
-          </p:nvPr>
-        </p:nvSpPr>
-        <p:spPr>
-          <a:xfrm>
-            <a:off x="311700" y="1474833"/>
-            <a:ext cx="8520600" cy="2618100"/>
-          </a:xfrm>
-          <a:prstGeom prst="rect">
-            <a:avLst/>
-          </a:prstGeom>
-        </p:spPr>
-        <p:txBody>
-          <a:bodyPr spcFirstLastPara="1" wrap="square" lIns="91425" tIns="91425" rIns="91425" bIns="91425" anchor="b" anchorCtr="0"/>
-          <a:lstStyle>
-            <a:lvl1pPr lvl="0" algn="ctr">
-              <a:spcBef>
-                <a:spcPts val="0"/>
-              </a:spcBef>
-              <a:spcAft>
-                <a:spcPts val="0"/>
-              </a:spcAft>
-              <a:buSzPts val="12000"/>
-              <a:buNone/>
-              <a:defRPr sz="12000"/>
-            </a:lvl1pPr>
-            <a:lvl2pPr lvl="1" algn="ctr">
-              <a:spcBef>
-                <a:spcPts val="0"/>
-              </a:spcBef>
-              <a:spcAft>
-                <a:spcPts val="0"/>
-              </a:spcAft>
-              <a:buSzPts val="12000"/>
-              <a:buNone/>
-              <a:defRPr sz="12000"/>
-            </a:lvl2pPr>
-            <a:lvl3pPr lvl="2" algn="ctr">
-              <a:spcBef>
-                <a:spcPts val="0"/>
-              </a:spcBef>
-              <a:spcAft>
-                <a:spcPts val="0"/>
-              </a:spcAft>
-              <a:buSzPts val="12000"/>
-              <a:buNone/>
-              <a:defRPr sz="12000"/>
-            </a:lvl3pPr>
-            <a:lvl4pPr lvl="3" algn="ctr">
-              <a:spcBef>
-                <a:spcPts val="0"/>
-              </a:spcBef>
-              <a:spcAft>
-                <a:spcPts val="0"/>
-              </a:spcAft>
-              <a:buSzPts val="12000"/>
-              <a:buNone/>
-              <a:defRPr sz="12000"/>
-            </a:lvl4pPr>
-            <a:lvl5pPr lvl="4" algn="ctr">
-              <a:spcBef>
-                <a:spcPts val="0"/>
-              </a:spcBef>
-              <a:spcAft>
-                <a:spcPts val="0"/>
-              </a:spcAft>
-              <a:buSzPts val="12000"/>
-              <a:buNone/>
-              <a:defRPr sz="12000"/>
-            </a:lvl5pPr>
-            <a:lvl6pPr lvl="5" algn="ctr">
-              <a:spcBef>
-                <a:spcPts val="0"/>
-              </a:spcBef>
-              <a:spcAft>
-                <a:spcPts val="0"/>
-              </a:spcAft>
-              <a:buSzPts val="12000"/>
-              <a:buNone/>
-              <a:defRPr sz="12000"/>
-            </a:lvl6pPr>
-            <a:lvl7pPr lvl="6" algn="ctr">
-              <a:spcBef>
-                <a:spcPts val="0"/>
-              </a:spcBef>
-              <a:spcAft>
-                <a:spcPts val="0"/>
-              </a:spcAft>
-              <a:buSzPts val="12000"/>
-              <a:buNone/>
-              <a:defRPr sz="12000"/>
-            </a:lvl7pPr>
-            <a:lvl8pPr lvl="7" algn="ctr">
-              <a:spcBef>
-                <a:spcPts val="0"/>
-              </a:spcBef>
-              <a:spcAft>
-                <a:spcPts val="0"/>
-              </a:spcAft>
-              <a:buSzPts val="12000"/>
-              <a:buNone/>
-              <a:defRPr sz="12000"/>
-            </a:lvl8pPr>
-            <a:lvl9pPr lvl="8" algn="ctr">
-              <a:spcBef>
-                <a:spcPts val="0"/>
-              </a:spcBef>
-              <a:spcAft>
-                <a:spcPts val="0"/>
-              </a:spcAft>
-              <a:buSzPts val="12000"/>
-              <a:buNone/>
-              <a:defRPr sz="12000"/>
-            </a:lvl9pPr>
-          </a:lstStyle>
-          <a:p>
-            <a:endParaRPr/>
-          </a:p>
-        </p:txBody>
-      </p:sp>
-      <p:sp>
-        <p:nvSpPr>
-          <p:cNvPr id="50" name="Shape 50"/>
-          <p:cNvSpPr txBox="1">
-            <a:spLocks noGrp="1"/>
-          </p:cNvSpPr>
-          <p:nvPr>
-            <p:ph type="body" idx="1"/>
-          </p:nvPr>
-        </p:nvSpPr>
-        <p:spPr>
-          <a:xfrm>
-            <a:off x="311700" y="4202967"/>
-            <a:ext cx="8520600" cy="1734300"/>
-          </a:xfrm>
-          <a:prstGeom prst="rect">
-            <a:avLst/>
-          </a:prstGeom>
-        </p:spPr>
-        <p:txBody>
-          <a:bodyPr spcFirstLastPara="1" wrap="square" lIns="91425" tIns="91425" rIns="91425" bIns="91425" anchor="t" anchorCtr="0"/>
-          <a:lstStyle>
-            <a:lvl1pPr marL="457200" lvl="0" indent="-342900" algn="ctr">
-              <a:spcBef>
-                <a:spcPts val="0"/>
-              </a:spcBef>
-              <a:spcAft>
-                <a:spcPts val="0"/>
-              </a:spcAft>
-              <a:buSzPts val="1800"/>
-              <a:buChar char="●"/>
-              <a:defRPr/>
-            </a:lvl1pPr>
-            <a:lvl2pPr marL="914400" lvl="1" indent="-317500" algn="ctr">
-              <a:spcBef>
-                <a:spcPts val="1600"/>
-              </a:spcBef>
-              <a:spcAft>
-                <a:spcPts val="0"/>
-              </a:spcAft>
-              <a:buSzPts val="1400"/>
-              <a:buChar char="○"/>
-              <a:defRPr/>
-            </a:lvl2pPr>
-            <a:lvl3pPr marL="1371600" lvl="2" indent="-317500" algn="ctr">
-              <a:spcBef>
-                <a:spcPts val="1600"/>
-              </a:spcBef>
-              <a:spcAft>
-                <a:spcPts val="0"/>
-              </a:spcAft>
-              <a:buSzPts val="1400"/>
-              <a:buChar char="■"/>
-              <a:defRPr/>
-            </a:lvl3pPr>
-            <a:lvl4pPr marL="1828800" lvl="3" indent="-317500" algn="ctr">
-              <a:spcBef>
-                <a:spcPts val="1600"/>
-              </a:spcBef>
-              <a:spcAft>
-                <a:spcPts val="0"/>
-              </a:spcAft>
-              <a:buSzPts val="1400"/>
-              <a:buChar char="●"/>
-              <a:defRPr/>
-            </a:lvl4pPr>
-            <a:lvl5pPr marL="2286000" lvl="4" indent="-317500" algn="ctr">
-              <a:spcBef>
-                <a:spcPts val="1600"/>
-              </a:spcBef>
-              <a:spcAft>
-                <a:spcPts val="0"/>
-              </a:spcAft>
-              <a:buSzPts val="1400"/>
-              <a:buChar char="○"/>
-              <a:defRPr/>
-            </a:lvl5pPr>
-            <a:lvl6pPr marL="2743200" lvl="5" indent="-317500" algn="ctr">
-              <a:spcBef>
-                <a:spcPts val="1600"/>
-              </a:spcBef>
-              <a:spcAft>
-                <a:spcPts val="0"/>
-              </a:spcAft>
-              <a:buSzPts val="1400"/>
-              <a:buChar char="■"/>
-              <a:defRPr/>
-            </a:lvl6pPr>
-            <a:lvl7pPr marL="3200400" lvl="6" indent="-317500" algn="ctr">
-              <a:spcBef>
-                <a:spcPts val="1600"/>
-              </a:spcBef>
-              <a:spcAft>
-                <a:spcPts val="0"/>
-              </a:spcAft>
-              <a:buSzPts val="1400"/>
-              <a:buChar char="●"/>
-              <a:defRPr/>
-            </a:lvl7pPr>
-            <a:lvl8pPr marL="3657600" lvl="7" indent="-317500" algn="ctr">
-              <a:spcBef>
-                <a:spcPts val="1600"/>
-              </a:spcBef>
-              <a:spcAft>
-                <a:spcPts val="0"/>
-              </a:spcAft>
-              <a:buSzPts val="1400"/>
-              <a:buChar char="○"/>
-              <a:defRPr/>
-            </a:lvl8pPr>
-            <a:lvl9pPr marL="4114800" lvl="8" indent="-317500" algn="ctr">
-              <a:spcBef>
-                <a:spcPts val="1600"/>
-              </a:spcBef>
-              <a:spcAft>
-                <a:spcPts val="1600"/>
-              </a:spcAft>
-              <a:buSzPts val="1400"/>
-              <a:buChar char="■"/>
-              <a:defRPr/>
-            </a:lvl9pPr>
-          </a:lstStyle>
-          <a:p>
-            <a:endParaRPr/>
-          </a:p>
-        </p:txBody>
-      </p:sp>
-      <p:sp>
-        <p:nvSpPr>
-          <p:cNvPr id="51" name="Shape 51"/>
-          <p:cNvSpPr txBox="1">
-            <a:spLocks noGrp="1"/>
-          </p:cNvSpPr>
-          <p:nvPr>
-            <p:ph type="sldNum" idx="12"/>
-          </p:nvPr>
-        </p:nvSpPr>
-        <p:spPr>
-          <a:xfrm>
-            <a:off x="8472458" y="6217622"/>
-            <a:ext cx="548700" cy="524700"/>
-          </a:xfrm>
-          <a:prstGeom prst="rect">
-            <a:avLst/>
-          </a:prstGeom>
-        </p:spPr>
-        <p:txBody>
-          <a:bodyPr spcFirstLastPara="1" wrap="square" lIns="91425" tIns="91425" rIns="91425" bIns="91425" anchor="ctr" anchorCtr="0">
-            <a:noAutofit/>
-          </a:bodyPr>
-          <a:lstStyle>
-            <a:lvl1pPr lvl="0">
-              <a:buNone/>
-              <a:defRPr/>
-            </a:lvl1pPr>
-            <a:lvl2pPr lvl="1">
-              <a:buNone/>
-              <a:defRPr/>
-            </a:lvl2pPr>
-            <a:lvl3pPr lvl="2">
-              <a:buNone/>
-              <a:defRPr/>
-            </a:lvl3pPr>
-            <a:lvl4pPr lvl="3">
-              <a:buNone/>
-              <a:defRPr/>
-            </a:lvl4pPr>
-            <a:lvl5pPr lvl="4">
-              <a:buNone/>
-              <a:defRPr/>
-            </a:lvl5pPr>
-            <a:lvl6pPr lvl="5">
-              <a:buNone/>
-              <a:defRPr/>
-            </a:lvl6pPr>
-            <a:lvl7pPr lvl="6">
-              <a:buNone/>
-              <a:defRPr/>
-            </a:lvl7pPr>
-            <a:lvl8pPr lvl="7">
-              <a:buNone/>
-              <a:defRPr/>
-            </a:lvl8pPr>
-            <a:lvl9pPr lvl="8">
-              <a:buNone/>
-              <a:defRPr/>
-            </a:lvl9pPr>
-          </a:lstStyle>
-          <a:p>
-            <a:pPr marL="0" lvl="0" indent="0">
-              <a:spcBef>
-                <a:spcPts val="0"/>
-              </a:spcBef>
-              <a:spcAft>
-                <a:spcPts val="0"/>
-              </a:spcAft>
-              <a:buNone/>
-            </a:pPr>
-            <a:fld id="{00000000-1234-1234-1234-123412341234}" type="slidenum">
-              <a:rPr lang="en-US"/>
-              <a:t>‹#›</a:t>
-            </a:fld>
-            <a:endParaRPr/>
-          </a:p>
-        </p:txBody>
-      </p:sp>
-    </p:spTree>
-  </p:cSld>
-  <p:clrMapOvr>
-    <a:masterClrMapping/>
-  </p:clrMapOvr>
-</p:sldLayout>
-</file>
-
-<file path=ppt/slideLayouts/slideLayout11.xml><?xml version="1.0" encoding="utf-8"?>
 <p:sldLayout xmlns:a="http://schemas.openxmlformats.org/drawingml/2006/main" xmlns:r="http://schemas.openxmlformats.org/officeDocument/2006/relationships" xmlns:p="http://schemas.openxmlformats.org/presentationml/2006/main" matchingName="Blank" type="blank">
   <p:cSld name="BLANK">
     <p:spTree>
@@ -5835,7 +4730,7 @@
 </p:sldLayout>
 </file>
 
-<file path=ppt/slideLayouts/slideLayout12.xml><?xml version="1.0" encoding="utf-8"?>
+<file path=ppt/slideLayouts/slideLayout11.xml><?xml version="1.0" encoding="utf-8"?>
 <p:sldLayout xmlns:a="http://schemas.openxmlformats.org/drawingml/2006/main" xmlns:r="http://schemas.openxmlformats.org/officeDocument/2006/relationships" xmlns:p="http://schemas.openxmlformats.org/presentationml/2006/main" matchingName="Title, Text and Chart" type="txAndChart">
   <p:cSld name="TEXT_AND_CHART">
     <p:spTree>
@@ -7277,7 +6172,7 @@
 </p:sldLayout>
 </file>
 
-<file path=ppt/slideLayouts/slideLayout13.xml><?xml version="1.0" encoding="utf-8"?>
+<file path=ppt/slideLayouts/slideLayout12.xml><?xml version="1.0" encoding="utf-8"?>
 <p:sldLayout xmlns:a="http://schemas.openxmlformats.org/drawingml/2006/main" xmlns:r="http://schemas.openxmlformats.org/officeDocument/2006/relationships" xmlns:p="http://schemas.openxmlformats.org/presentationml/2006/main" matchingName="Title and Content" type="obj">
   <p:cSld name="OBJECT">
     <p:spTree>
@@ -8712,364 +7607,6 @@
 </file>
 
 <file path=ppt/slideLayouts/slideLayout3.xml><?xml version="1.0" encoding="utf-8"?>
-<p:sldLayout xmlns:a="http://schemas.openxmlformats.org/drawingml/2006/main" xmlns:r="http://schemas.openxmlformats.org/officeDocument/2006/relationships" xmlns:p="http://schemas.openxmlformats.org/presentationml/2006/main" matchingName="Title and body" type="tx">
-  <p:cSld name="TITLE_AND_BODY">
-    <p:spTree>
-      <p:nvGrpSpPr>
-        <p:cNvPr id="1" name="Shape 20"/>
-        <p:cNvGrpSpPr/>
-        <p:nvPr/>
-      </p:nvGrpSpPr>
-      <p:grpSpPr>
-        <a:xfrm>
-          <a:off x="0" y="0"/>
-          <a:ext cx="0" cy="0"/>
-          <a:chOff x="0" y="0"/>
-          <a:chExt cx="0" cy="0"/>
-        </a:xfrm>
-      </p:grpSpPr>
-      <p:sp>
-        <p:nvSpPr>
-          <p:cNvPr id="21" name="Shape 21"/>
-          <p:cNvSpPr txBox="1">
-            <a:spLocks noGrp="1"/>
-          </p:cNvSpPr>
-          <p:nvPr>
-            <p:ph type="title"/>
-          </p:nvPr>
-        </p:nvSpPr>
-        <p:spPr>
-          <a:xfrm>
-            <a:off x="311700" y="593367"/>
-            <a:ext cx="8520600" cy="763500"/>
-          </a:xfrm>
-          <a:prstGeom prst="rect">
-            <a:avLst/>
-          </a:prstGeom>
-        </p:spPr>
-        <p:txBody>
-          <a:bodyPr spcFirstLastPara="1" wrap="square" lIns="91425" tIns="91425" rIns="91425" bIns="91425" anchor="t" anchorCtr="0"/>
-          <a:lstStyle>
-            <a:lvl1pPr lvl="0">
-              <a:spcBef>
-                <a:spcPts val="0"/>
-              </a:spcBef>
-              <a:spcAft>
-                <a:spcPts val="0"/>
-              </a:spcAft>
-              <a:buSzPts val="2800"/>
-              <a:buNone/>
-              <a:defRPr/>
-            </a:lvl1pPr>
-            <a:lvl2pPr lvl="1">
-              <a:spcBef>
-                <a:spcPts val="0"/>
-              </a:spcBef>
-              <a:spcAft>
-                <a:spcPts val="0"/>
-              </a:spcAft>
-              <a:buSzPts val="2800"/>
-              <a:buNone/>
-              <a:defRPr/>
-            </a:lvl2pPr>
-            <a:lvl3pPr lvl="2">
-              <a:spcBef>
-                <a:spcPts val="0"/>
-              </a:spcBef>
-              <a:spcAft>
-                <a:spcPts val="0"/>
-              </a:spcAft>
-              <a:buSzPts val="2800"/>
-              <a:buNone/>
-              <a:defRPr/>
-            </a:lvl3pPr>
-            <a:lvl4pPr lvl="3">
-              <a:spcBef>
-                <a:spcPts val="0"/>
-              </a:spcBef>
-              <a:spcAft>
-                <a:spcPts val="0"/>
-              </a:spcAft>
-              <a:buSzPts val="2800"/>
-              <a:buNone/>
-              <a:defRPr/>
-            </a:lvl4pPr>
-            <a:lvl5pPr lvl="4">
-              <a:spcBef>
-                <a:spcPts val="0"/>
-              </a:spcBef>
-              <a:spcAft>
-                <a:spcPts val="0"/>
-              </a:spcAft>
-              <a:buSzPts val="2800"/>
-              <a:buNone/>
-              <a:defRPr/>
-            </a:lvl5pPr>
-            <a:lvl6pPr lvl="5">
-              <a:spcBef>
-                <a:spcPts val="0"/>
-              </a:spcBef>
-              <a:spcAft>
-                <a:spcPts val="0"/>
-              </a:spcAft>
-              <a:buSzPts val="2800"/>
-              <a:buNone/>
-              <a:defRPr/>
-            </a:lvl6pPr>
-            <a:lvl7pPr lvl="6">
-              <a:spcBef>
-                <a:spcPts val="0"/>
-              </a:spcBef>
-              <a:spcAft>
-                <a:spcPts val="0"/>
-              </a:spcAft>
-              <a:buSzPts val="2800"/>
-              <a:buNone/>
-              <a:defRPr/>
-            </a:lvl7pPr>
-            <a:lvl8pPr lvl="7">
-              <a:spcBef>
-                <a:spcPts val="0"/>
-              </a:spcBef>
-              <a:spcAft>
-                <a:spcPts val="0"/>
-              </a:spcAft>
-              <a:buSzPts val="2800"/>
-              <a:buNone/>
-              <a:defRPr/>
-            </a:lvl8pPr>
-            <a:lvl9pPr lvl="8">
-              <a:spcBef>
-                <a:spcPts val="0"/>
-              </a:spcBef>
-              <a:spcAft>
-                <a:spcPts val="0"/>
-              </a:spcAft>
-              <a:buSzPts val="2800"/>
-              <a:buNone/>
-              <a:defRPr/>
-            </a:lvl9pPr>
-          </a:lstStyle>
-          <a:p>
-            <a:endParaRPr/>
-          </a:p>
-        </p:txBody>
-      </p:sp>
-      <p:sp>
-        <p:nvSpPr>
-          <p:cNvPr id="22" name="Shape 22"/>
-          <p:cNvSpPr txBox="1">
-            <a:spLocks noGrp="1"/>
-          </p:cNvSpPr>
-          <p:nvPr>
-            <p:ph type="body" idx="1"/>
-          </p:nvPr>
-        </p:nvSpPr>
-        <p:spPr>
-          <a:xfrm>
-            <a:off x="311700" y="1536633"/>
-            <a:ext cx="8520600" cy="4555200"/>
-          </a:xfrm>
-          <a:prstGeom prst="rect">
-            <a:avLst/>
-          </a:prstGeom>
-        </p:spPr>
-        <p:txBody>
-          <a:bodyPr spcFirstLastPara="1" wrap="square" lIns="91425" tIns="91425" rIns="91425" bIns="91425" anchor="t" anchorCtr="0"/>
-          <a:lstStyle>
-            <a:lvl1pPr marL="457200" lvl="0" indent="-342900">
-              <a:spcBef>
-                <a:spcPts val="0"/>
-              </a:spcBef>
-              <a:spcAft>
-                <a:spcPts val="0"/>
-              </a:spcAft>
-              <a:buSzPts val="1800"/>
-              <a:buChar char="●"/>
-              <a:defRPr/>
-            </a:lvl1pPr>
-            <a:lvl2pPr marL="914400" lvl="1" indent="-317500">
-              <a:spcBef>
-                <a:spcPts val="1600"/>
-              </a:spcBef>
-              <a:spcAft>
-                <a:spcPts val="0"/>
-              </a:spcAft>
-              <a:buSzPts val="1400"/>
-              <a:buChar char="○"/>
-              <a:defRPr/>
-            </a:lvl2pPr>
-            <a:lvl3pPr marL="1371600" lvl="2" indent="-317500">
-              <a:spcBef>
-                <a:spcPts val="1600"/>
-              </a:spcBef>
-              <a:spcAft>
-                <a:spcPts val="0"/>
-              </a:spcAft>
-              <a:buSzPts val="1400"/>
-              <a:buChar char="■"/>
-              <a:defRPr/>
-            </a:lvl3pPr>
-            <a:lvl4pPr marL="1828800" lvl="3" indent="-317500">
-              <a:spcBef>
-                <a:spcPts val="1600"/>
-              </a:spcBef>
-              <a:spcAft>
-                <a:spcPts val="0"/>
-              </a:spcAft>
-              <a:buSzPts val="1400"/>
-              <a:buChar char="●"/>
-              <a:defRPr/>
-            </a:lvl4pPr>
-            <a:lvl5pPr marL="2286000" lvl="4" indent="-317500">
-              <a:spcBef>
-                <a:spcPts val="1600"/>
-              </a:spcBef>
-              <a:spcAft>
-                <a:spcPts val="0"/>
-              </a:spcAft>
-              <a:buSzPts val="1400"/>
-              <a:buChar char="○"/>
-              <a:defRPr/>
-            </a:lvl5pPr>
-            <a:lvl6pPr marL="2743200" lvl="5" indent="-317500">
-              <a:spcBef>
-                <a:spcPts val="1600"/>
-              </a:spcBef>
-              <a:spcAft>
-                <a:spcPts val="0"/>
-              </a:spcAft>
-              <a:buSzPts val="1400"/>
-              <a:buChar char="■"/>
-              <a:defRPr/>
-            </a:lvl6pPr>
-            <a:lvl7pPr marL="3200400" lvl="6" indent="-317500">
-              <a:spcBef>
-                <a:spcPts val="1600"/>
-              </a:spcBef>
-              <a:spcAft>
-                <a:spcPts val="0"/>
-              </a:spcAft>
-              <a:buSzPts val="1400"/>
-              <a:buChar char="●"/>
-              <a:defRPr/>
-            </a:lvl7pPr>
-            <a:lvl8pPr marL="3657600" lvl="7" indent="-317500">
-              <a:spcBef>
-                <a:spcPts val="1600"/>
-              </a:spcBef>
-              <a:spcAft>
-                <a:spcPts val="0"/>
-              </a:spcAft>
-              <a:buSzPts val="1400"/>
-              <a:buChar char="○"/>
-              <a:defRPr/>
-            </a:lvl8pPr>
-            <a:lvl9pPr marL="4114800" lvl="8" indent="-317500">
-              <a:spcBef>
-                <a:spcPts val="1600"/>
-              </a:spcBef>
-              <a:spcAft>
-                <a:spcPts val="1600"/>
-              </a:spcAft>
-              <a:buSzPts val="1400"/>
-              <a:buChar char="■"/>
-              <a:defRPr/>
-            </a:lvl9pPr>
-          </a:lstStyle>
-          <a:p>
-            <a:endParaRPr/>
-          </a:p>
-        </p:txBody>
-      </p:sp>
-      <p:sp>
-        <p:nvSpPr>
-          <p:cNvPr id="23" name="Shape 23"/>
-          <p:cNvSpPr txBox="1">
-            <a:spLocks noGrp="1"/>
-          </p:cNvSpPr>
-          <p:nvPr>
-            <p:ph type="sldNum" idx="12"/>
-          </p:nvPr>
-        </p:nvSpPr>
-        <p:spPr>
-          <a:xfrm>
-            <a:off x="8472458" y="6217622"/>
-            <a:ext cx="548700" cy="524700"/>
-          </a:xfrm>
-          <a:prstGeom prst="rect">
-            <a:avLst/>
-          </a:prstGeom>
-        </p:spPr>
-        <p:txBody>
-          <a:bodyPr spcFirstLastPara="1" wrap="square" lIns="91425" tIns="91425" rIns="91425" bIns="91425" anchor="ctr" anchorCtr="0">
-            <a:noAutofit/>
-          </a:bodyPr>
-          <a:lstStyle>
-            <a:lvl1pPr lvl="0">
-              <a:buNone/>
-              <a:defRPr/>
-            </a:lvl1pPr>
-            <a:lvl2pPr lvl="1">
-              <a:buNone/>
-              <a:defRPr/>
-            </a:lvl2pPr>
-            <a:lvl3pPr lvl="2">
-              <a:buNone/>
-              <a:defRPr/>
-            </a:lvl3pPr>
-            <a:lvl4pPr lvl="3">
-              <a:buNone/>
-              <a:defRPr/>
-            </a:lvl4pPr>
-            <a:lvl5pPr lvl="4">
-              <a:buNone/>
-              <a:defRPr/>
-            </a:lvl5pPr>
-            <a:lvl6pPr lvl="5">
-              <a:buNone/>
-              <a:defRPr/>
-            </a:lvl6pPr>
-            <a:lvl7pPr lvl="6">
-              <a:buNone/>
-              <a:defRPr/>
-            </a:lvl7pPr>
-            <a:lvl8pPr lvl="7">
-              <a:buNone/>
-              <a:defRPr/>
-            </a:lvl8pPr>
-            <a:lvl9pPr lvl="8">
-              <a:buNone/>
-              <a:defRPr/>
-            </a:lvl9pPr>
-          </a:lstStyle>
-          <a:p>
-            <a:pPr marL="0" lvl="0" indent="0">
-              <a:spcBef>
-                <a:spcPts val="0"/>
-              </a:spcBef>
-              <a:spcAft>
-                <a:spcPts val="0"/>
-              </a:spcAft>
-              <a:buNone/>
-            </a:pPr>
-            <a:fld id="{00000000-1234-1234-1234-123412341234}" type="slidenum">
-              <a:rPr lang="en-US"/>
-              <a:t>‹#›</a:t>
-            </a:fld>
-            <a:endParaRPr/>
-          </a:p>
-        </p:txBody>
-      </p:sp>
-    </p:spTree>
-  </p:cSld>
-  <p:clrMapOvr>
-    <a:masterClrMapping/>
-  </p:clrMapOvr>
-</p:sldLayout>
-</file>
-
-<file path=ppt/slideLayouts/slideLayout4.xml><?xml version="1.0" encoding="utf-8"?>
 <p:sldLayout xmlns:a="http://schemas.openxmlformats.org/drawingml/2006/main" xmlns:r="http://schemas.openxmlformats.org/officeDocument/2006/relationships" xmlns:p="http://schemas.openxmlformats.org/presentationml/2006/main" matchingName="Title and two columns" type="twoColTx">
   <p:cSld name="TITLE_AND_TWO_COLUMNS">
     <p:spTree>
@@ -9554,7 +8091,7 @@
 </p:sldLayout>
 </file>
 
-<file path=ppt/slideLayouts/slideLayout5.xml><?xml version="1.0" encoding="utf-8"?>
+<file path=ppt/slideLayouts/slideLayout4.xml><?xml version="1.0" encoding="utf-8"?>
 <p:sldLayout xmlns:a="http://schemas.openxmlformats.org/drawingml/2006/main" xmlns:r="http://schemas.openxmlformats.org/officeDocument/2006/relationships" xmlns:p="http://schemas.openxmlformats.org/presentationml/2006/main" matchingName="Title only" type="titleOnly">
   <p:cSld name="TITLE_ONLY">
     <p:spTree>
@@ -9785,7 +8322,7 @@
 </p:sldLayout>
 </file>
 
-<file path=ppt/slideLayouts/slideLayout6.xml><?xml version="1.0" encoding="utf-8"?>
+<file path=ppt/slideLayouts/slideLayout5.xml><?xml version="1.0" encoding="utf-8"?>
 <p:sldLayout xmlns:a="http://schemas.openxmlformats.org/drawingml/2006/main" xmlns:r="http://schemas.openxmlformats.org/officeDocument/2006/relationships" xmlns:p="http://schemas.openxmlformats.org/presentationml/2006/main" matchingName="One column text">
   <p:cSld name="ONE_COLUMN_TEXT">
     <p:spTree>
@@ -10143,7 +8680,7 @@
 </p:sldLayout>
 </file>
 
-<file path=ppt/slideLayouts/slideLayout7.xml><?xml version="1.0" encoding="utf-8"?>
+<file path=ppt/slideLayouts/slideLayout6.xml><?xml version="1.0" encoding="utf-8"?>
 <p:sldLayout xmlns:a="http://schemas.openxmlformats.org/drawingml/2006/main" xmlns:r="http://schemas.openxmlformats.org/officeDocument/2006/relationships" xmlns:p="http://schemas.openxmlformats.org/presentationml/2006/main" matchingName="Main point">
   <p:cSld name="MAIN_POINT">
     <p:spTree>
@@ -10374,7 +8911,7 @@
 </p:sldLayout>
 </file>
 
-<file path=ppt/slideLayouts/slideLayout8.xml><?xml version="1.0" encoding="utf-8"?>
+<file path=ppt/slideLayouts/slideLayout7.xml><?xml version="1.0" encoding="utf-8"?>
 <p:sldLayout xmlns:a="http://schemas.openxmlformats.org/drawingml/2006/main" xmlns:r="http://schemas.openxmlformats.org/officeDocument/2006/relationships" xmlns:p="http://schemas.openxmlformats.org/presentationml/2006/main" matchingName="Section title and description">
   <p:cSld name="SECTION_TITLE_AND_DESCRIPTION">
     <p:spTree>
@@ -10926,7 +9463,7 @@
 </p:sldLayout>
 </file>
 
-<file path=ppt/slideLayouts/slideLayout9.xml><?xml version="1.0" encoding="utf-8"?>
+<file path=ppt/slideLayouts/slideLayout8.xml><?xml version="1.0" encoding="utf-8"?>
 <p:sldLayout xmlns:a="http://schemas.openxmlformats.org/drawingml/2006/main" xmlns:r="http://schemas.openxmlformats.org/officeDocument/2006/relationships" xmlns:p="http://schemas.openxmlformats.org/presentationml/2006/main" matchingName="Caption">
   <p:cSld name="CAPTION_ONLY">
     <p:spTree>
@@ -10988,6 +9525,364 @@
       <p:sp>
         <p:nvSpPr>
           <p:cNvPr id="47" name="Shape 47"/>
+          <p:cNvSpPr txBox="1">
+            <a:spLocks noGrp="1"/>
+          </p:cNvSpPr>
+          <p:nvPr>
+            <p:ph type="sldNum" idx="12"/>
+          </p:nvPr>
+        </p:nvSpPr>
+        <p:spPr>
+          <a:xfrm>
+            <a:off x="8472458" y="6217622"/>
+            <a:ext cx="548700" cy="524700"/>
+          </a:xfrm>
+          <a:prstGeom prst="rect">
+            <a:avLst/>
+          </a:prstGeom>
+        </p:spPr>
+        <p:txBody>
+          <a:bodyPr spcFirstLastPara="1" wrap="square" lIns="91425" tIns="91425" rIns="91425" bIns="91425" anchor="ctr" anchorCtr="0">
+            <a:noAutofit/>
+          </a:bodyPr>
+          <a:lstStyle>
+            <a:lvl1pPr lvl="0">
+              <a:buNone/>
+              <a:defRPr/>
+            </a:lvl1pPr>
+            <a:lvl2pPr lvl="1">
+              <a:buNone/>
+              <a:defRPr/>
+            </a:lvl2pPr>
+            <a:lvl3pPr lvl="2">
+              <a:buNone/>
+              <a:defRPr/>
+            </a:lvl3pPr>
+            <a:lvl4pPr lvl="3">
+              <a:buNone/>
+              <a:defRPr/>
+            </a:lvl4pPr>
+            <a:lvl5pPr lvl="4">
+              <a:buNone/>
+              <a:defRPr/>
+            </a:lvl5pPr>
+            <a:lvl6pPr lvl="5">
+              <a:buNone/>
+              <a:defRPr/>
+            </a:lvl6pPr>
+            <a:lvl7pPr lvl="6">
+              <a:buNone/>
+              <a:defRPr/>
+            </a:lvl7pPr>
+            <a:lvl8pPr lvl="7">
+              <a:buNone/>
+              <a:defRPr/>
+            </a:lvl8pPr>
+            <a:lvl9pPr lvl="8">
+              <a:buNone/>
+              <a:defRPr/>
+            </a:lvl9pPr>
+          </a:lstStyle>
+          <a:p>
+            <a:pPr marL="0" lvl="0" indent="0">
+              <a:spcBef>
+                <a:spcPts val="0"/>
+              </a:spcBef>
+              <a:spcAft>
+                <a:spcPts val="0"/>
+              </a:spcAft>
+              <a:buNone/>
+            </a:pPr>
+            <a:fld id="{00000000-1234-1234-1234-123412341234}" type="slidenum">
+              <a:rPr lang="en-US"/>
+              <a:t>‹#›</a:t>
+            </a:fld>
+            <a:endParaRPr/>
+          </a:p>
+        </p:txBody>
+      </p:sp>
+    </p:spTree>
+  </p:cSld>
+  <p:clrMapOvr>
+    <a:masterClrMapping/>
+  </p:clrMapOvr>
+</p:sldLayout>
+</file>
+
+<file path=ppt/slideLayouts/slideLayout9.xml><?xml version="1.0" encoding="utf-8"?>
+<p:sldLayout xmlns:a="http://schemas.openxmlformats.org/drawingml/2006/main" xmlns:r="http://schemas.openxmlformats.org/officeDocument/2006/relationships" xmlns:p="http://schemas.openxmlformats.org/presentationml/2006/main" matchingName="Big number">
+  <p:cSld name="BIG_NUMBER">
+    <p:spTree>
+      <p:nvGrpSpPr>
+        <p:cNvPr id="1" name="Shape 48"/>
+        <p:cNvGrpSpPr/>
+        <p:nvPr/>
+      </p:nvGrpSpPr>
+      <p:grpSpPr>
+        <a:xfrm>
+          <a:off x="0" y="0"/>
+          <a:ext cx="0" cy="0"/>
+          <a:chOff x="0" y="0"/>
+          <a:chExt cx="0" cy="0"/>
+        </a:xfrm>
+      </p:grpSpPr>
+      <p:sp>
+        <p:nvSpPr>
+          <p:cNvPr id="49" name="Shape 49"/>
+          <p:cNvSpPr txBox="1">
+            <a:spLocks noGrp="1"/>
+          </p:cNvSpPr>
+          <p:nvPr>
+            <p:ph type="title"/>
+          </p:nvPr>
+        </p:nvSpPr>
+        <p:spPr>
+          <a:xfrm>
+            <a:off x="311700" y="1474833"/>
+            <a:ext cx="8520600" cy="2618100"/>
+          </a:xfrm>
+          <a:prstGeom prst="rect">
+            <a:avLst/>
+          </a:prstGeom>
+        </p:spPr>
+        <p:txBody>
+          <a:bodyPr spcFirstLastPara="1" wrap="square" lIns="91425" tIns="91425" rIns="91425" bIns="91425" anchor="b" anchorCtr="0"/>
+          <a:lstStyle>
+            <a:lvl1pPr lvl="0" algn="ctr">
+              <a:spcBef>
+                <a:spcPts val="0"/>
+              </a:spcBef>
+              <a:spcAft>
+                <a:spcPts val="0"/>
+              </a:spcAft>
+              <a:buSzPts val="12000"/>
+              <a:buNone/>
+              <a:defRPr sz="12000"/>
+            </a:lvl1pPr>
+            <a:lvl2pPr lvl="1" algn="ctr">
+              <a:spcBef>
+                <a:spcPts val="0"/>
+              </a:spcBef>
+              <a:spcAft>
+                <a:spcPts val="0"/>
+              </a:spcAft>
+              <a:buSzPts val="12000"/>
+              <a:buNone/>
+              <a:defRPr sz="12000"/>
+            </a:lvl2pPr>
+            <a:lvl3pPr lvl="2" algn="ctr">
+              <a:spcBef>
+                <a:spcPts val="0"/>
+              </a:spcBef>
+              <a:spcAft>
+                <a:spcPts val="0"/>
+              </a:spcAft>
+              <a:buSzPts val="12000"/>
+              <a:buNone/>
+              <a:defRPr sz="12000"/>
+            </a:lvl3pPr>
+            <a:lvl4pPr lvl="3" algn="ctr">
+              <a:spcBef>
+                <a:spcPts val="0"/>
+              </a:spcBef>
+              <a:spcAft>
+                <a:spcPts val="0"/>
+              </a:spcAft>
+              <a:buSzPts val="12000"/>
+              <a:buNone/>
+              <a:defRPr sz="12000"/>
+            </a:lvl4pPr>
+            <a:lvl5pPr lvl="4" algn="ctr">
+              <a:spcBef>
+                <a:spcPts val="0"/>
+              </a:spcBef>
+              <a:spcAft>
+                <a:spcPts val="0"/>
+              </a:spcAft>
+              <a:buSzPts val="12000"/>
+              <a:buNone/>
+              <a:defRPr sz="12000"/>
+            </a:lvl5pPr>
+            <a:lvl6pPr lvl="5" algn="ctr">
+              <a:spcBef>
+                <a:spcPts val="0"/>
+              </a:spcBef>
+              <a:spcAft>
+                <a:spcPts val="0"/>
+              </a:spcAft>
+              <a:buSzPts val="12000"/>
+              <a:buNone/>
+              <a:defRPr sz="12000"/>
+            </a:lvl6pPr>
+            <a:lvl7pPr lvl="6" algn="ctr">
+              <a:spcBef>
+                <a:spcPts val="0"/>
+              </a:spcBef>
+              <a:spcAft>
+                <a:spcPts val="0"/>
+              </a:spcAft>
+              <a:buSzPts val="12000"/>
+              <a:buNone/>
+              <a:defRPr sz="12000"/>
+            </a:lvl7pPr>
+            <a:lvl8pPr lvl="7" algn="ctr">
+              <a:spcBef>
+                <a:spcPts val="0"/>
+              </a:spcBef>
+              <a:spcAft>
+                <a:spcPts val="0"/>
+              </a:spcAft>
+              <a:buSzPts val="12000"/>
+              <a:buNone/>
+              <a:defRPr sz="12000"/>
+            </a:lvl8pPr>
+            <a:lvl9pPr lvl="8" algn="ctr">
+              <a:spcBef>
+                <a:spcPts val="0"/>
+              </a:spcBef>
+              <a:spcAft>
+                <a:spcPts val="0"/>
+              </a:spcAft>
+              <a:buSzPts val="12000"/>
+              <a:buNone/>
+              <a:defRPr sz="12000"/>
+            </a:lvl9pPr>
+          </a:lstStyle>
+          <a:p>
+            <a:endParaRPr/>
+          </a:p>
+        </p:txBody>
+      </p:sp>
+      <p:sp>
+        <p:nvSpPr>
+          <p:cNvPr id="50" name="Shape 50"/>
+          <p:cNvSpPr txBox="1">
+            <a:spLocks noGrp="1"/>
+          </p:cNvSpPr>
+          <p:nvPr>
+            <p:ph type="body" idx="1"/>
+          </p:nvPr>
+        </p:nvSpPr>
+        <p:spPr>
+          <a:xfrm>
+            <a:off x="311700" y="4202967"/>
+            <a:ext cx="8520600" cy="1734300"/>
+          </a:xfrm>
+          <a:prstGeom prst="rect">
+            <a:avLst/>
+          </a:prstGeom>
+        </p:spPr>
+        <p:txBody>
+          <a:bodyPr spcFirstLastPara="1" wrap="square" lIns="91425" tIns="91425" rIns="91425" bIns="91425" anchor="t" anchorCtr="0"/>
+          <a:lstStyle>
+            <a:lvl1pPr marL="457200" lvl="0" indent="-342900" algn="ctr">
+              <a:spcBef>
+                <a:spcPts val="0"/>
+              </a:spcBef>
+              <a:spcAft>
+                <a:spcPts val="0"/>
+              </a:spcAft>
+              <a:buSzPts val="1800"/>
+              <a:buChar char="●"/>
+              <a:defRPr/>
+            </a:lvl1pPr>
+            <a:lvl2pPr marL="914400" lvl="1" indent="-317500" algn="ctr">
+              <a:spcBef>
+                <a:spcPts val="1600"/>
+              </a:spcBef>
+              <a:spcAft>
+                <a:spcPts val="0"/>
+              </a:spcAft>
+              <a:buSzPts val="1400"/>
+              <a:buChar char="○"/>
+              <a:defRPr/>
+            </a:lvl2pPr>
+            <a:lvl3pPr marL="1371600" lvl="2" indent="-317500" algn="ctr">
+              <a:spcBef>
+                <a:spcPts val="1600"/>
+              </a:spcBef>
+              <a:spcAft>
+                <a:spcPts val="0"/>
+              </a:spcAft>
+              <a:buSzPts val="1400"/>
+              <a:buChar char="■"/>
+              <a:defRPr/>
+            </a:lvl3pPr>
+            <a:lvl4pPr marL="1828800" lvl="3" indent="-317500" algn="ctr">
+              <a:spcBef>
+                <a:spcPts val="1600"/>
+              </a:spcBef>
+              <a:spcAft>
+                <a:spcPts val="0"/>
+              </a:spcAft>
+              <a:buSzPts val="1400"/>
+              <a:buChar char="●"/>
+              <a:defRPr/>
+            </a:lvl4pPr>
+            <a:lvl5pPr marL="2286000" lvl="4" indent="-317500" algn="ctr">
+              <a:spcBef>
+                <a:spcPts val="1600"/>
+              </a:spcBef>
+              <a:spcAft>
+                <a:spcPts val="0"/>
+              </a:spcAft>
+              <a:buSzPts val="1400"/>
+              <a:buChar char="○"/>
+              <a:defRPr/>
+            </a:lvl5pPr>
+            <a:lvl6pPr marL="2743200" lvl="5" indent="-317500" algn="ctr">
+              <a:spcBef>
+                <a:spcPts val="1600"/>
+              </a:spcBef>
+              <a:spcAft>
+                <a:spcPts val="0"/>
+              </a:spcAft>
+              <a:buSzPts val="1400"/>
+              <a:buChar char="■"/>
+              <a:defRPr/>
+            </a:lvl6pPr>
+            <a:lvl7pPr marL="3200400" lvl="6" indent="-317500" algn="ctr">
+              <a:spcBef>
+                <a:spcPts val="1600"/>
+              </a:spcBef>
+              <a:spcAft>
+                <a:spcPts val="0"/>
+              </a:spcAft>
+              <a:buSzPts val="1400"/>
+              <a:buChar char="●"/>
+              <a:defRPr/>
+            </a:lvl7pPr>
+            <a:lvl8pPr marL="3657600" lvl="7" indent="-317500" algn="ctr">
+              <a:spcBef>
+                <a:spcPts val="1600"/>
+              </a:spcBef>
+              <a:spcAft>
+                <a:spcPts val="0"/>
+              </a:spcAft>
+              <a:buSzPts val="1400"/>
+              <a:buChar char="○"/>
+              <a:defRPr/>
+            </a:lvl8pPr>
+            <a:lvl9pPr marL="4114800" lvl="8" indent="-317500" algn="ctr">
+              <a:spcBef>
+                <a:spcPts val="1600"/>
+              </a:spcBef>
+              <a:spcAft>
+                <a:spcPts val="1600"/>
+              </a:spcAft>
+              <a:buSzPts val="1400"/>
+              <a:buChar char="■"/>
+              <a:defRPr/>
+            </a:lvl9pPr>
+          </a:lstStyle>
+          <a:p>
+            <a:endParaRPr/>
+          </a:p>
+        </p:txBody>
+      </p:sp>
+      <p:sp>
+        <p:nvSpPr>
+          <p:cNvPr id="51" name="Shape 51"/>
           <p:cNvSpPr txBox="1">
             <a:spLocks noGrp="1"/>
           </p:cNvSpPr>
@@ -11637,17 +10532,16 @@
   <p:sldLayoutIdLst>
     <p:sldLayoutId id="2147483648" r:id="rId1"/>
     <p:sldLayoutId id="2147483649" r:id="rId2"/>
-    <p:sldLayoutId id="2147483650" r:id="rId3"/>
-    <p:sldLayoutId id="2147483651" r:id="rId4"/>
-    <p:sldLayoutId id="2147483652" r:id="rId5"/>
-    <p:sldLayoutId id="2147483653" r:id="rId6"/>
-    <p:sldLayoutId id="2147483654" r:id="rId7"/>
-    <p:sldLayoutId id="2147483655" r:id="rId8"/>
-    <p:sldLayoutId id="2147483656" r:id="rId9"/>
-    <p:sldLayoutId id="2147483657" r:id="rId10"/>
-    <p:sldLayoutId id="2147483658" r:id="rId11"/>
-    <p:sldLayoutId id="2147483659" r:id="rId12"/>
-    <p:sldLayoutId id="2147483660" r:id="rId13"/>
+    <p:sldLayoutId id="2147483651" r:id="rId3"/>
+    <p:sldLayoutId id="2147483652" r:id="rId4"/>
+    <p:sldLayoutId id="2147483653" r:id="rId5"/>
+    <p:sldLayoutId id="2147483654" r:id="rId6"/>
+    <p:sldLayoutId id="2147483655" r:id="rId7"/>
+    <p:sldLayoutId id="2147483656" r:id="rId8"/>
+    <p:sldLayoutId id="2147483657" r:id="rId9"/>
+    <p:sldLayoutId id="2147483658" r:id="rId10"/>
+    <p:sldLayoutId id="2147483659" r:id="rId11"/>
+    <p:sldLayoutId id="2147483660" r:id="rId12"/>
   </p:sldLayoutIdLst>
   <p:hf sldNum="0" hdr="0" ftr="0" dt="0"/>
   <p:txStyles>
@@ -22207,955 +21101,6 @@
 </p:sld>
 </file>
 
-<file path=ppt/slides/slide18.xml><?xml version="1.0" encoding="utf-8"?>
-<p:sld xmlns:a="http://schemas.openxmlformats.org/drawingml/2006/main" xmlns:r="http://schemas.openxmlformats.org/officeDocument/2006/relationships" xmlns:p="http://schemas.openxmlformats.org/presentationml/2006/main">
-  <p:cSld>
-    <p:spTree>
-      <p:nvGrpSpPr>
-        <p:cNvPr id="1" name="Shape 380"/>
-        <p:cNvGrpSpPr/>
-        <p:nvPr/>
-      </p:nvGrpSpPr>
-      <p:grpSpPr>
-        <a:xfrm>
-          <a:off x="0" y="0"/>
-          <a:ext cx="0" cy="0"/>
-          <a:chOff x="0" y="0"/>
-          <a:chExt cx="0" cy="0"/>
-        </a:xfrm>
-      </p:grpSpPr>
-      <p:sp>
-        <p:nvSpPr>
-          <p:cNvPr id="381" name="Shape 381"/>
-          <p:cNvSpPr txBox="1">
-            <a:spLocks noGrp="1"/>
-          </p:cNvSpPr>
-          <p:nvPr>
-            <p:ph type="title"/>
-          </p:nvPr>
-        </p:nvSpPr>
-        <p:spPr>
-          <a:xfrm>
-            <a:off x="311700" y="593367"/>
-            <a:ext cx="8520600" cy="763500"/>
-          </a:xfrm>
-          <a:prstGeom prst="rect">
-            <a:avLst/>
-          </a:prstGeom>
-        </p:spPr>
-        <p:txBody>
-          <a:bodyPr spcFirstLastPara="1" wrap="square" lIns="91425" tIns="91425" rIns="91425" bIns="91425" anchor="t" anchorCtr="0">
-            <a:noAutofit/>
-          </a:bodyPr>
-          <a:lstStyle/>
-          <a:p>
-            <a:pPr marL="0" lvl="0" indent="0">
-              <a:spcBef>
-                <a:spcPts val="0"/>
-              </a:spcBef>
-              <a:spcAft>
-                <a:spcPts val="0"/>
-              </a:spcAft>
-              <a:buNone/>
-            </a:pPr>
-            <a:r>
-              <a:rPr lang="en-US"/>
-              <a:t>MLPClassifier</a:t>
-            </a:r>
-            <a:br>
-              <a:rPr lang="en-US"/>
-            </a:br>
-            <a:endParaRPr/>
-          </a:p>
-        </p:txBody>
-      </p:sp>
-      <p:sp>
-        <p:nvSpPr>
-          <p:cNvPr id="382" name="Shape 382"/>
-          <p:cNvSpPr txBox="1"/>
-          <p:nvPr/>
-        </p:nvSpPr>
-        <p:spPr>
-          <a:xfrm>
-            <a:off x="351425" y="1774200"/>
-            <a:ext cx="4657200" cy="4589100"/>
-          </a:xfrm>
-          <a:prstGeom prst="rect">
-            <a:avLst/>
-          </a:prstGeom>
-          <a:solidFill>
-            <a:schemeClr val="lt2"/>
-          </a:solidFill>
-          <a:ln w="9525" cap="flat" cmpd="sng">
-            <a:solidFill>
-              <a:srgbClr val="000000"/>
-            </a:solidFill>
-            <a:prstDash val="solid"/>
-            <a:round/>
-            <a:headEnd type="none" w="sm" len="sm"/>
-            <a:tailEnd type="none" w="sm" len="sm"/>
-          </a:ln>
-        </p:spPr>
-        <p:txBody>
-          <a:bodyPr spcFirstLastPara="1" wrap="square" lIns="91425" tIns="91425" rIns="91425" bIns="91425" anchor="t" anchorCtr="0">
-            <a:noAutofit/>
-          </a:bodyPr>
-          <a:lstStyle/>
-          <a:p>
-            <a:pPr marL="0" lvl="0" indent="0">
-              <a:spcBef>
-                <a:spcPts val="0"/>
-              </a:spcBef>
-              <a:spcAft>
-                <a:spcPts val="0"/>
-              </a:spcAft>
-              <a:buClr>
-                <a:schemeClr val="dk1"/>
-              </a:buClr>
-              <a:buSzPts val="1100"/>
-              <a:buFont typeface="Arial"/>
-              <a:buNone/>
-            </a:pPr>
-            <a:r>
-              <a:rPr lang="en-US" dirty="0"/>
-              <a:t>import pandas as </a:t>
-            </a:r>
-            <a:r>
-              <a:rPr lang="en-US" dirty="0" err="1"/>
-              <a:t>pd</a:t>
-            </a:r>
-            <a:endParaRPr dirty="0"/>
-          </a:p>
-          <a:p>
-            <a:pPr marL="0" lvl="0" indent="0">
-              <a:spcBef>
-                <a:spcPts val="0"/>
-              </a:spcBef>
-              <a:spcAft>
-                <a:spcPts val="0"/>
-              </a:spcAft>
-              <a:buClr>
-                <a:schemeClr val="dk1"/>
-              </a:buClr>
-              <a:buSzPts val="1100"/>
-              <a:buFont typeface="Arial"/>
-              <a:buNone/>
-            </a:pPr>
-            <a:r>
-              <a:rPr lang="en-US" dirty="0">
-                <a:solidFill>
-                  <a:srgbClr val="FF0000"/>
-                </a:solidFill>
-              </a:rPr>
-              <a:t>from </a:t>
-            </a:r>
-            <a:r>
-              <a:rPr lang="en-US" dirty="0" err="1">
-                <a:solidFill>
-                  <a:srgbClr val="FF0000"/>
-                </a:solidFill>
-              </a:rPr>
-              <a:t>sklearn.neural_network</a:t>
-            </a:r>
-            <a:r>
-              <a:rPr lang="en-US" dirty="0">
-                <a:solidFill>
-                  <a:srgbClr val="FF0000"/>
-                </a:solidFill>
-              </a:rPr>
-              <a:t> import </a:t>
-            </a:r>
-            <a:r>
-              <a:rPr lang="en-US" dirty="0" err="1">
-                <a:solidFill>
-                  <a:srgbClr val="FF0000"/>
-                </a:solidFill>
-              </a:rPr>
-              <a:t>MLPClassifier</a:t>
-            </a:r>
-            <a:endParaRPr dirty="0">
-              <a:solidFill>
-                <a:srgbClr val="FF0000"/>
-              </a:solidFill>
-            </a:endParaRPr>
-          </a:p>
-          <a:p>
-            <a:pPr marL="0" lvl="0" indent="0">
-              <a:spcBef>
-                <a:spcPts val="0"/>
-              </a:spcBef>
-              <a:spcAft>
-                <a:spcPts val="0"/>
-              </a:spcAft>
-              <a:buClr>
-                <a:schemeClr val="dk1"/>
-              </a:buClr>
-              <a:buSzPts val="1100"/>
-              <a:buFont typeface="Arial"/>
-              <a:buNone/>
-            </a:pPr>
-            <a:r>
-              <a:rPr lang="en-US" dirty="0"/>
-              <a:t>from </a:t>
-            </a:r>
-            <a:r>
-              <a:rPr lang="en-US" dirty="0" err="1"/>
-              <a:t>sklearn.model_selection</a:t>
-            </a:r>
-            <a:r>
-              <a:rPr lang="en-US" dirty="0"/>
-              <a:t> import </a:t>
-            </a:r>
-            <a:r>
-              <a:rPr lang="en-US" dirty="0" err="1"/>
-              <a:t>cross_val_score</a:t>
-            </a:r>
-            <a:endParaRPr dirty="0"/>
-          </a:p>
-          <a:p>
-            <a:pPr marL="0" lvl="0" indent="0">
-              <a:spcBef>
-                <a:spcPts val="0"/>
-              </a:spcBef>
-              <a:spcAft>
-                <a:spcPts val="0"/>
-              </a:spcAft>
-              <a:buClr>
-                <a:schemeClr val="dk1"/>
-              </a:buClr>
-              <a:buSzPts val="1100"/>
-              <a:buFont typeface="Arial"/>
-              <a:buNone/>
-            </a:pPr>
-            <a:r>
-              <a:rPr lang="en-US" dirty="0"/>
-              <a:t>from </a:t>
-            </a:r>
-            <a:r>
-              <a:rPr lang="en-US" dirty="0" err="1"/>
-              <a:t>sklearn.metrics</a:t>
-            </a:r>
-            <a:r>
-              <a:rPr lang="en-US" dirty="0"/>
-              <a:t> import </a:t>
-            </a:r>
-            <a:r>
-              <a:rPr lang="en-US" dirty="0" err="1"/>
-              <a:t>accuracy_score</a:t>
-            </a:r>
-            <a:endParaRPr dirty="0"/>
-          </a:p>
-          <a:p>
-            <a:pPr marL="0" lvl="0" indent="0">
-              <a:spcBef>
-                <a:spcPts val="0"/>
-              </a:spcBef>
-              <a:spcAft>
-                <a:spcPts val="0"/>
-              </a:spcAft>
-              <a:buClr>
-                <a:schemeClr val="dk1"/>
-              </a:buClr>
-              <a:buSzPts val="1100"/>
-              <a:buFont typeface="Arial"/>
-              <a:buNone/>
-            </a:pPr>
-            <a:r>
-              <a:rPr lang="en-US" dirty="0"/>
-              <a:t>from </a:t>
-            </a:r>
-            <a:r>
-              <a:rPr lang="en-US" dirty="0" err="1"/>
-              <a:t>sklearn.metrics</a:t>
-            </a:r>
-            <a:r>
-              <a:rPr lang="en-US" dirty="0"/>
-              <a:t> import </a:t>
-            </a:r>
-            <a:r>
-              <a:rPr lang="en-US" dirty="0" err="1"/>
-              <a:t>confusion_matrix</a:t>
-            </a:r>
-            <a:endParaRPr dirty="0"/>
-          </a:p>
-          <a:p>
-            <a:pPr marL="0" lvl="0" indent="0">
-              <a:spcBef>
-                <a:spcPts val="0"/>
-              </a:spcBef>
-              <a:spcAft>
-                <a:spcPts val="0"/>
-              </a:spcAft>
-              <a:buClr>
-                <a:schemeClr val="dk1"/>
-              </a:buClr>
-              <a:buSzPts val="1100"/>
-              <a:buFont typeface="Arial"/>
-              <a:buNone/>
-            </a:pPr>
-            <a:endParaRPr dirty="0"/>
-          </a:p>
-          <a:p>
-            <a:pPr marL="0" lvl="0" indent="0">
-              <a:spcBef>
-                <a:spcPts val="0"/>
-              </a:spcBef>
-              <a:spcAft>
-                <a:spcPts val="0"/>
-              </a:spcAft>
-              <a:buClr>
-                <a:schemeClr val="dk1"/>
-              </a:buClr>
-              <a:buSzPts val="1100"/>
-              <a:buFont typeface="Arial"/>
-              <a:buNone/>
-            </a:pPr>
-            <a:r>
-              <a:rPr lang="en-US" dirty="0">
-                <a:solidFill>
-                  <a:srgbClr val="FF0000"/>
-                </a:solidFill>
-              </a:rPr>
-              <a:t># get data</a:t>
-            </a:r>
-            <a:endParaRPr dirty="0">
-              <a:solidFill>
-                <a:srgbClr val="FF0000"/>
-              </a:solidFill>
-            </a:endParaRPr>
-          </a:p>
-          <a:p>
-            <a:pPr lvl="0">
-              <a:buClr>
-                <a:schemeClr val="dk1"/>
-              </a:buClr>
-              <a:buSzPts val="1100"/>
-            </a:pPr>
-            <a:r>
-              <a:rPr lang="en-US" dirty="0" err="1"/>
-              <a:t>df</a:t>
-            </a:r>
-            <a:r>
-              <a:rPr lang="en-US" dirty="0"/>
-              <a:t> = </a:t>
-            </a:r>
-            <a:r>
-              <a:rPr lang="en-US" dirty="0" err="1" smtClean="0"/>
-              <a:t>pd.read_csv</a:t>
-            </a:r>
-            <a:r>
-              <a:rPr lang="en-US" dirty="0"/>
-              <a:t>("assets/</a:t>
-            </a:r>
-            <a:r>
-              <a:rPr lang="en-US" dirty="0" err="1"/>
-              <a:t>wdbc.csv</a:t>
-            </a:r>
-            <a:r>
-              <a:rPr lang="en-US" dirty="0" smtClean="0"/>
-              <a:t>")</a:t>
-            </a:r>
-            <a:endParaRPr dirty="0"/>
-          </a:p>
-          <a:p>
-            <a:pPr marL="0" lvl="0" indent="0">
-              <a:spcBef>
-                <a:spcPts val="0"/>
-              </a:spcBef>
-              <a:spcAft>
-                <a:spcPts val="0"/>
-              </a:spcAft>
-              <a:buClr>
-                <a:schemeClr val="dk1"/>
-              </a:buClr>
-              <a:buSzPts val="1100"/>
-              <a:buFont typeface="Arial"/>
-              <a:buNone/>
-            </a:pPr>
-            <a:r>
-              <a:rPr lang="en-US" dirty="0" err="1"/>
-              <a:t>df</a:t>
-            </a:r>
-            <a:r>
-              <a:rPr lang="en-US" dirty="0"/>
-              <a:t> = </a:t>
-            </a:r>
-            <a:r>
-              <a:rPr lang="en-US" dirty="0" err="1"/>
-              <a:t>df.drop</a:t>
-            </a:r>
-            <a:r>
-              <a:rPr lang="en-US" dirty="0" smtClean="0"/>
-              <a:t>([</a:t>
-            </a:r>
-            <a:r>
-              <a:rPr lang="en-US" dirty="0" smtClean="0"/>
-              <a:t>'ID</a:t>
-            </a:r>
-            <a:r>
-              <a:rPr lang="en-US" dirty="0"/>
-              <a:t>'],axis=1)</a:t>
-            </a:r>
-            <a:endParaRPr dirty="0"/>
-          </a:p>
-          <a:p>
-            <a:pPr lvl="0">
-              <a:buClr>
-                <a:schemeClr val="dk1"/>
-              </a:buClr>
-              <a:buSzPts val="1100"/>
-            </a:pPr>
-            <a:r>
-              <a:rPr lang="en-US" dirty="0"/>
-              <a:t>X  = </a:t>
-            </a:r>
-            <a:r>
-              <a:rPr lang="en-US" dirty="0" err="1"/>
-              <a:t>df.drop</a:t>
-            </a:r>
-            <a:r>
-              <a:rPr lang="en-US" dirty="0"/>
-              <a:t>(['Diagnosis</a:t>
-            </a:r>
-            <a:r>
-              <a:rPr lang="en-US" dirty="0" smtClean="0"/>
-              <a:t>'],</a:t>
-            </a:r>
-            <a:r>
-              <a:rPr lang="en-US" dirty="0"/>
-              <a:t>axis=1)</a:t>
-            </a:r>
-            <a:endParaRPr dirty="0"/>
-          </a:p>
-          <a:p>
-            <a:pPr lvl="0">
-              <a:buClr>
-                <a:schemeClr val="dk1"/>
-              </a:buClr>
-              <a:buSzPts val="1100"/>
-            </a:pPr>
-            <a:r>
-              <a:rPr lang="en-US" dirty="0"/>
-              <a:t>y = </a:t>
-            </a:r>
-            <a:r>
-              <a:rPr lang="en-US" dirty="0" err="1" smtClean="0"/>
-              <a:t>df</a:t>
-            </a:r>
-            <a:r>
-              <a:rPr lang="en-US" dirty="0"/>
-              <a:t>['Diagnosis</a:t>
-            </a:r>
-            <a:r>
-              <a:rPr lang="en-US" dirty="0" smtClean="0"/>
-              <a:t>']</a:t>
-            </a:r>
-            <a:endParaRPr dirty="0"/>
-          </a:p>
-          <a:p>
-            <a:pPr marL="0" lvl="0" indent="0">
-              <a:spcBef>
-                <a:spcPts val="0"/>
-              </a:spcBef>
-              <a:spcAft>
-                <a:spcPts val="0"/>
-              </a:spcAft>
-              <a:buClr>
-                <a:schemeClr val="dk1"/>
-              </a:buClr>
-              <a:buSzPts val="1100"/>
-              <a:buFont typeface="Arial"/>
-              <a:buNone/>
-            </a:pPr>
-            <a:endParaRPr dirty="0"/>
-          </a:p>
-          <a:p>
-            <a:pPr marL="0" lvl="0" indent="0">
-              <a:spcBef>
-                <a:spcPts val="0"/>
-              </a:spcBef>
-              <a:spcAft>
-                <a:spcPts val="0"/>
-              </a:spcAft>
-              <a:buClr>
-                <a:schemeClr val="dk1"/>
-              </a:buClr>
-              <a:buSzPts val="1100"/>
-              <a:buFont typeface="Arial"/>
-              <a:buNone/>
-            </a:pPr>
-            <a:endParaRPr dirty="0"/>
-          </a:p>
-          <a:p>
-            <a:pPr marL="0" lvl="0" indent="0">
-              <a:spcBef>
-                <a:spcPts val="0"/>
-              </a:spcBef>
-              <a:spcAft>
-                <a:spcPts val="0"/>
-              </a:spcAft>
-              <a:buClr>
-                <a:schemeClr val="dk1"/>
-              </a:buClr>
-              <a:buSzPts val="1100"/>
-              <a:buFont typeface="Arial"/>
-              <a:buNone/>
-            </a:pPr>
-            <a:r>
-              <a:rPr lang="en-US" dirty="0"/>
-              <a:t># neural network</a:t>
-            </a:r>
-            <a:endParaRPr dirty="0"/>
-          </a:p>
-          <a:p>
-            <a:pPr marL="0" lvl="0" indent="0">
-              <a:spcBef>
-                <a:spcPts val="0"/>
-              </a:spcBef>
-              <a:spcAft>
-                <a:spcPts val="0"/>
-              </a:spcAft>
-              <a:buClr>
-                <a:schemeClr val="dk1"/>
-              </a:buClr>
-              <a:buSzPts val="1100"/>
-              <a:buFont typeface="Arial"/>
-              <a:buNone/>
-            </a:pPr>
-            <a:r>
-              <a:rPr lang="en-US" dirty="0"/>
-              <a:t>model = </a:t>
-            </a:r>
-            <a:r>
-              <a:rPr lang="en-US" dirty="0" err="1">
-                <a:solidFill>
-                  <a:srgbClr val="FF0000"/>
-                </a:solidFill>
-              </a:rPr>
-              <a:t>MLPClassifier</a:t>
-            </a:r>
-            <a:r>
-              <a:rPr lang="en-US" dirty="0">
-                <a:solidFill>
-                  <a:srgbClr val="FF0000"/>
-                </a:solidFill>
-              </a:rPr>
-              <a:t>(</a:t>
-            </a:r>
-            <a:r>
-              <a:rPr lang="en-US" dirty="0" err="1">
-                <a:solidFill>
-                  <a:srgbClr val="FF0000"/>
-                </a:solidFill>
-              </a:rPr>
-              <a:t>hidden_layer_sizes</a:t>
-            </a:r>
-            <a:r>
-              <a:rPr lang="en-US" dirty="0">
-                <a:solidFill>
-                  <a:srgbClr val="FF0000"/>
-                </a:solidFill>
-              </a:rPr>
-              <a:t>=(15,))</a:t>
-            </a:r>
-            <a:endParaRPr dirty="0">
-              <a:solidFill>
-                <a:srgbClr val="FF0000"/>
-              </a:solidFill>
-            </a:endParaRPr>
-          </a:p>
-          <a:p>
-            <a:pPr marL="0" lvl="0" indent="0">
-              <a:spcBef>
-                <a:spcPts val="0"/>
-              </a:spcBef>
-              <a:spcAft>
-                <a:spcPts val="0"/>
-              </a:spcAft>
-              <a:buClr>
-                <a:schemeClr val="dk1"/>
-              </a:buClr>
-              <a:buSzPts val="1100"/>
-              <a:buFont typeface="Arial"/>
-              <a:buNone/>
-            </a:pPr>
-            <a:endParaRPr dirty="0"/>
-          </a:p>
-          <a:p>
-            <a:pPr marL="0" lvl="0" indent="0">
-              <a:spcBef>
-                <a:spcPts val="0"/>
-              </a:spcBef>
-              <a:spcAft>
-                <a:spcPts val="0"/>
-              </a:spcAft>
-              <a:buClr>
-                <a:schemeClr val="dk1"/>
-              </a:buClr>
-              <a:buSzPts val="1100"/>
-              <a:buFont typeface="Arial"/>
-              <a:buNone/>
-            </a:pPr>
-            <a:r>
-              <a:rPr lang="en-US" dirty="0">
-                <a:solidFill>
-                  <a:srgbClr val="FF0000"/>
-                </a:solidFill>
-              </a:rPr>
-              <a:t># do the 5-fold cross validation</a:t>
-            </a:r>
-            <a:endParaRPr dirty="0">
-              <a:solidFill>
-                <a:srgbClr val="FF0000"/>
-              </a:solidFill>
-            </a:endParaRPr>
-          </a:p>
-          <a:p>
-            <a:pPr marL="0" lvl="0" indent="0">
-              <a:spcBef>
-                <a:spcPts val="0"/>
-              </a:spcBef>
-              <a:spcAft>
-                <a:spcPts val="0"/>
-              </a:spcAft>
-              <a:buClr>
-                <a:schemeClr val="dk1"/>
-              </a:buClr>
-              <a:buSzPts val="1100"/>
-              <a:buFont typeface="Arial"/>
-              <a:buNone/>
-            </a:pPr>
-            <a:r>
-              <a:rPr lang="en-US" dirty="0"/>
-              <a:t>scores = </a:t>
-            </a:r>
-            <a:r>
-              <a:rPr lang="en-US" dirty="0" err="1"/>
-              <a:t>cross_val_score</a:t>
-            </a:r>
-            <a:r>
-              <a:rPr lang="en-US" dirty="0"/>
-              <a:t>(model, X, y, cv=5)</a:t>
-            </a:r>
-            <a:endParaRPr dirty="0"/>
-          </a:p>
-          <a:p>
-            <a:pPr marL="0" lvl="0" indent="0">
-              <a:spcBef>
-                <a:spcPts val="0"/>
-              </a:spcBef>
-              <a:spcAft>
-                <a:spcPts val="0"/>
-              </a:spcAft>
-              <a:buClr>
-                <a:schemeClr val="dk1"/>
-              </a:buClr>
-              <a:buSzPts val="1100"/>
-              <a:buFont typeface="Arial"/>
-              <a:buNone/>
-            </a:pPr>
-            <a:r>
-              <a:rPr lang="en-US" dirty="0"/>
-              <a:t>print("Fold Accuracies: {}".format(scores))</a:t>
-            </a:r>
-            <a:endParaRPr dirty="0"/>
-          </a:p>
-          <a:p>
-            <a:pPr marL="0" lvl="0" indent="0">
-              <a:spcBef>
-                <a:spcPts val="0"/>
-              </a:spcBef>
-              <a:spcAft>
-                <a:spcPts val="0"/>
-              </a:spcAft>
-              <a:buClr>
-                <a:schemeClr val="dk1"/>
-              </a:buClr>
-              <a:buSzPts val="1100"/>
-              <a:buFont typeface="Arial"/>
-              <a:buNone/>
-            </a:pPr>
-            <a:r>
-              <a:rPr lang="en-US" dirty="0"/>
-              <a:t>print("Accuracy: {}".format(</a:t>
-            </a:r>
-            <a:r>
-              <a:rPr lang="en-US" dirty="0" err="1"/>
-              <a:t>scores.mean</a:t>
-            </a:r>
-            <a:r>
-              <a:rPr lang="en-US" dirty="0"/>
-              <a:t>()))</a:t>
-            </a:r>
-            <a:endParaRPr dirty="0"/>
-          </a:p>
-          <a:p>
-            <a:pPr marL="0" lvl="0" indent="0">
-              <a:spcBef>
-                <a:spcPts val="0"/>
-              </a:spcBef>
-              <a:spcAft>
-                <a:spcPts val="0"/>
-              </a:spcAft>
-              <a:buNone/>
-            </a:pPr>
-            <a:endParaRPr dirty="0"/>
-          </a:p>
-        </p:txBody>
-      </p:sp>
-      <p:sp>
-        <p:nvSpPr>
-          <p:cNvPr id="383" name="Shape 383"/>
-          <p:cNvSpPr txBox="1"/>
-          <p:nvPr/>
-        </p:nvSpPr>
-        <p:spPr>
-          <a:xfrm>
-            <a:off x="5442000" y="2200725"/>
-            <a:ext cx="3390300" cy="3105000"/>
-          </a:xfrm>
-          <a:prstGeom prst="rect">
-            <a:avLst/>
-          </a:prstGeom>
-          <a:solidFill>
-            <a:schemeClr val="lt2"/>
-          </a:solidFill>
-          <a:ln w="9525" cap="flat" cmpd="sng">
-            <a:solidFill>
-              <a:srgbClr val="000000"/>
-            </a:solidFill>
-            <a:prstDash val="solid"/>
-            <a:round/>
-            <a:headEnd type="none" w="sm" len="sm"/>
-            <a:tailEnd type="none" w="sm" len="sm"/>
-          </a:ln>
-        </p:spPr>
-        <p:txBody>
-          <a:bodyPr spcFirstLastPara="1" wrap="square" lIns="91425" tIns="91425" rIns="91425" bIns="91425" anchor="t" anchorCtr="0">
-            <a:noAutofit/>
-          </a:bodyPr>
-          <a:lstStyle/>
-          <a:p>
-            <a:pPr marL="0" lvl="0" indent="0">
-              <a:spcBef>
-                <a:spcPts val="0"/>
-              </a:spcBef>
-              <a:spcAft>
-                <a:spcPts val="0"/>
-              </a:spcAft>
-              <a:buClr>
-                <a:schemeClr val="dk1"/>
-              </a:buClr>
-              <a:buSzPts val="1100"/>
-              <a:buFont typeface="Arial"/>
-              <a:buNone/>
-            </a:pPr>
-            <a:r>
-              <a:rPr lang="en-US"/>
-              <a:t>Fold Accuracies: [ 0.87591241  0.95620438  0.95620438  0.98540146  0.98518519]</a:t>
-            </a:r>
-            <a:endParaRPr/>
-          </a:p>
-          <a:p>
-            <a:pPr marL="0" lvl="0" indent="0">
-              <a:spcBef>
-                <a:spcPts val="0"/>
-              </a:spcBef>
-              <a:spcAft>
-                <a:spcPts val="0"/>
-              </a:spcAft>
-              <a:buNone/>
-            </a:pPr>
-            <a:endParaRPr/>
-          </a:p>
-          <a:p>
-            <a:pPr marL="0" lvl="0" indent="0">
-              <a:spcBef>
-                <a:spcPts val="0"/>
-              </a:spcBef>
-              <a:spcAft>
-                <a:spcPts val="0"/>
-              </a:spcAft>
-              <a:buClr>
-                <a:schemeClr val="dk1"/>
-              </a:buClr>
-              <a:buSzPts val="1100"/>
-              <a:buFont typeface="Arial"/>
-              <a:buNone/>
-            </a:pPr>
-            <a:r>
-              <a:rPr lang="en-US"/>
-              <a:t>Accuracy: 0.9517815625844823</a:t>
-            </a:r>
-            <a:endParaRPr/>
-          </a:p>
-        </p:txBody>
-      </p:sp>
-    </p:spTree>
-  </p:cSld>
-  <p:clrMapOvr>
-    <a:masterClrMapping/>
-  </p:clrMapOvr>
-</p:sld>
-</file>
-
-<file path=ppt/slides/slide19.xml><?xml version="1.0" encoding="utf-8"?>
-<p:sld xmlns:a="http://schemas.openxmlformats.org/drawingml/2006/main" xmlns:r="http://schemas.openxmlformats.org/officeDocument/2006/relationships" xmlns:p="http://schemas.openxmlformats.org/presentationml/2006/main">
-  <p:cSld>
-    <p:spTree>
-      <p:nvGrpSpPr>
-        <p:cNvPr id="1" name="Shape 388"/>
-        <p:cNvGrpSpPr/>
-        <p:nvPr/>
-      </p:nvGrpSpPr>
-      <p:grpSpPr>
-        <a:xfrm>
-          <a:off x="0" y="0"/>
-          <a:ext cx="0" cy="0"/>
-          <a:chOff x="0" y="0"/>
-          <a:chExt cx="0" cy="0"/>
-        </a:xfrm>
-      </p:grpSpPr>
-      <p:sp>
-        <p:nvSpPr>
-          <p:cNvPr id="389" name="Shape 389"/>
-          <p:cNvSpPr txBox="1">
-            <a:spLocks noGrp="1"/>
-          </p:cNvSpPr>
-          <p:nvPr>
-            <p:ph type="title"/>
-          </p:nvPr>
-        </p:nvSpPr>
-        <p:spPr>
-          <a:xfrm>
-            <a:off x="311700" y="593367"/>
-            <a:ext cx="8520600" cy="763500"/>
-          </a:xfrm>
-          <a:prstGeom prst="rect">
-            <a:avLst/>
-          </a:prstGeom>
-        </p:spPr>
-        <p:txBody>
-          <a:bodyPr spcFirstLastPara="1" wrap="square" lIns="91425" tIns="91425" rIns="91425" bIns="91425" anchor="t" anchorCtr="0">
-            <a:noAutofit/>
-          </a:bodyPr>
-          <a:lstStyle/>
-          <a:p>
-            <a:pPr marL="0" lvl="0" indent="0">
-              <a:spcBef>
-                <a:spcPts val="0"/>
-              </a:spcBef>
-              <a:spcAft>
-                <a:spcPts val="0"/>
-              </a:spcAft>
-              <a:buNone/>
-            </a:pPr>
-            <a:r>
-              <a:rPr lang="en-US"/>
-              <a:t>MLP Grid Search</a:t>
-            </a:r>
-            <a:endParaRPr/>
-          </a:p>
-        </p:txBody>
-      </p:sp>
-      <p:sp>
-        <p:nvSpPr>
-          <p:cNvPr id="390" name="Shape 390"/>
-          <p:cNvSpPr txBox="1">
-            <a:spLocks noGrp="1"/>
-          </p:cNvSpPr>
-          <p:nvPr>
-            <p:ph type="body" idx="1"/>
-          </p:nvPr>
-        </p:nvSpPr>
-        <p:spPr>
-          <a:xfrm>
-            <a:off x="311700" y="1536633"/>
-            <a:ext cx="8520600" cy="4555200"/>
-          </a:xfrm>
-          <a:prstGeom prst="rect">
-            <a:avLst/>
-          </a:prstGeom>
-        </p:spPr>
-        <p:txBody>
-          <a:bodyPr spcFirstLastPara="1" wrap="square" lIns="91425" tIns="91425" rIns="91425" bIns="91425" anchor="t" anchorCtr="0">
-            <a:noAutofit/>
-          </a:bodyPr>
-          <a:lstStyle/>
-          <a:p>
-            <a:pPr marL="0" lvl="0" indent="0">
-              <a:spcBef>
-                <a:spcPts val="0"/>
-              </a:spcBef>
-              <a:spcAft>
-                <a:spcPts val="0"/>
-              </a:spcAft>
-              <a:buNone/>
-            </a:pPr>
-            <a:r>
-              <a:rPr lang="en-US"/>
-              <a:t>We can also perform a grid search</a:t>
-            </a:r>
-            <a:endParaRPr/>
-          </a:p>
-          <a:p>
-            <a:pPr marL="0" lvl="0" indent="0">
-              <a:spcBef>
-                <a:spcPts val="1600"/>
-              </a:spcBef>
-              <a:spcAft>
-                <a:spcPts val="0"/>
-              </a:spcAft>
-              <a:buNone/>
-            </a:pPr>
-            <a:r>
-              <a:rPr lang="en-US"/>
-              <a:t>BEWARE: a grid search over all possible parameters of an MLP is almost impossible - combinatoric explosion, too many different combinations possible.</a:t>
-            </a:r>
-            <a:endParaRPr/>
-          </a:p>
-          <a:p>
-            <a:pPr marL="0" lvl="0" indent="0">
-              <a:spcBef>
-                <a:spcPts val="1600"/>
-              </a:spcBef>
-              <a:spcAft>
-                <a:spcPts val="0"/>
-              </a:spcAft>
-              <a:buNone/>
-            </a:pPr>
-            <a:r>
-              <a:rPr lang="en-US"/>
-              <a:t>Here we only perform a grid over the </a:t>
-            </a:r>
-            <a:r>
-              <a:rPr lang="en-US" i="1"/>
-              <a:t>number of nodes in a single hidden layer.</a:t>
-            </a:r>
-            <a:endParaRPr/>
-          </a:p>
-          <a:p>
-            <a:pPr marL="0" lvl="0" indent="0">
-              <a:spcBef>
-                <a:spcPts val="1600"/>
-              </a:spcBef>
-              <a:spcAft>
-                <a:spcPts val="1600"/>
-              </a:spcAft>
-              <a:buNone/>
-            </a:pPr>
-            <a:endParaRPr/>
-          </a:p>
-        </p:txBody>
-      </p:sp>
-    </p:spTree>
-  </p:cSld>
-  <p:clrMapOvr>
-    <a:masterClrMapping/>
-  </p:clrMapOvr>
-</p:sld>
-</file>
-
 <file path=ppt/slides/slide2.xml><?xml version="1.0" encoding="utf-8"?>
 <p:sld xmlns:a="http://schemas.openxmlformats.org/drawingml/2006/main" xmlns:r="http://schemas.openxmlformats.org/officeDocument/2006/relationships" xmlns:p="http://schemas.openxmlformats.org/presentationml/2006/main">
   <p:cSld>
@@ -23662,1006 +21607,6 @@
           </a:ln>
         </p:spPr>
       </p:pic>
-    </p:spTree>
-  </p:cSld>
-  <p:clrMapOvr>
-    <a:masterClrMapping/>
-  </p:clrMapOvr>
-</p:sld>
-</file>
-
-<file path=ppt/slides/slide20.xml><?xml version="1.0" encoding="utf-8"?>
-<p:sld xmlns:a="http://schemas.openxmlformats.org/drawingml/2006/main" xmlns:r="http://schemas.openxmlformats.org/officeDocument/2006/relationships" xmlns:p="http://schemas.openxmlformats.org/presentationml/2006/main">
-  <p:cSld>
-    <p:spTree>
-      <p:nvGrpSpPr>
-        <p:cNvPr id="1" name="Shape 395"/>
-        <p:cNvGrpSpPr/>
-        <p:nvPr/>
-      </p:nvGrpSpPr>
-      <p:grpSpPr>
-        <a:xfrm>
-          <a:off x="0" y="0"/>
-          <a:ext cx="0" cy="0"/>
-          <a:chOff x="0" y="0"/>
-          <a:chExt cx="0" cy="0"/>
-        </a:xfrm>
-      </p:grpSpPr>
-      <p:sp>
-        <p:nvSpPr>
-          <p:cNvPr id="396" name="Shape 396"/>
-          <p:cNvSpPr txBox="1">
-            <a:spLocks noGrp="1"/>
-          </p:cNvSpPr>
-          <p:nvPr>
-            <p:ph type="title"/>
-          </p:nvPr>
-        </p:nvSpPr>
-        <p:spPr>
-          <a:xfrm>
-            <a:off x="311700" y="593367"/>
-            <a:ext cx="8520600" cy="763500"/>
-          </a:xfrm>
-          <a:prstGeom prst="rect">
-            <a:avLst/>
-          </a:prstGeom>
-        </p:spPr>
-        <p:txBody>
-          <a:bodyPr spcFirstLastPara="1" wrap="square" lIns="91425" tIns="91425" rIns="91425" bIns="91425" anchor="t" anchorCtr="0">
-            <a:noAutofit/>
-          </a:bodyPr>
-          <a:lstStyle/>
-          <a:p>
-            <a:pPr marL="0" lvl="0" indent="0" rtl="0">
-              <a:spcBef>
-                <a:spcPts val="0"/>
-              </a:spcBef>
-              <a:spcAft>
-                <a:spcPts val="0"/>
-              </a:spcAft>
-              <a:buNone/>
-            </a:pPr>
-            <a:r>
-              <a:rPr lang="en-US"/>
-              <a:t>MLP Grid Search</a:t>
-            </a:r>
-            <a:endParaRPr/>
-          </a:p>
-        </p:txBody>
-      </p:sp>
-      <p:sp>
-        <p:nvSpPr>
-          <p:cNvPr id="397" name="Shape 397"/>
-          <p:cNvSpPr txBox="1"/>
-          <p:nvPr/>
-        </p:nvSpPr>
-        <p:spPr>
-          <a:xfrm>
-            <a:off x="477675" y="1289725"/>
-            <a:ext cx="7342500" cy="5414700"/>
-          </a:xfrm>
-          <a:prstGeom prst="rect">
-            <a:avLst/>
-          </a:prstGeom>
-          <a:solidFill>
-            <a:schemeClr val="lt2"/>
-          </a:solidFill>
-          <a:ln w="9525" cap="flat" cmpd="sng">
-            <a:solidFill>
-              <a:srgbClr val="000000"/>
-            </a:solidFill>
-            <a:prstDash val="solid"/>
-            <a:round/>
-            <a:headEnd type="none" w="sm" len="sm"/>
-            <a:tailEnd type="none" w="sm" len="sm"/>
-          </a:ln>
-        </p:spPr>
-        <p:txBody>
-          <a:bodyPr spcFirstLastPara="1" wrap="square" lIns="91425" tIns="91425" rIns="91425" bIns="91425" anchor="t" anchorCtr="0">
-            <a:noAutofit/>
-          </a:bodyPr>
-          <a:lstStyle/>
-          <a:p>
-            <a:pPr marL="0" lvl="0" indent="0">
-              <a:spcBef>
-                <a:spcPts val="0"/>
-              </a:spcBef>
-              <a:spcAft>
-                <a:spcPts val="0"/>
-              </a:spcAft>
-              <a:buNone/>
-            </a:pPr>
-            <a:r>
-              <a:rPr lang="en-US">
-                <a:solidFill>
-                  <a:srgbClr val="FF0000"/>
-                </a:solidFill>
-              </a:rPr>
-              <a:t># neural network         </a:t>
-            </a:r>
-            <a:r>
-              <a:rPr lang="en-US"/>
-              <a:t>                                                                                                                                  </a:t>
-            </a:r>
-            <a:br>
-              <a:rPr lang="en-US"/>
-            </a:br>
-            <a:r>
-              <a:rPr lang="en-US"/>
-              <a:t>model = MLPClassifier(</a:t>
-            </a:r>
-            <a:r>
-              <a:rPr lang="en-US">
-                <a:solidFill>
-                  <a:srgbClr val="FF0000"/>
-                </a:solidFill>
-              </a:rPr>
-              <a:t>max_iter=2000</a:t>
-            </a:r>
-            <a:r>
-              <a:rPr lang="en-US"/>
-              <a:t>)</a:t>
-            </a:r>
-            <a:br>
-              <a:rPr lang="en-US"/>
-            </a:br>
-            <a:r>
-              <a:rPr lang="en-US"/>
-              <a:t/>
-            </a:r>
-            <a:br>
-              <a:rPr lang="en-US"/>
-            </a:br>
-            <a:r>
-              <a:rPr lang="en-US">
-                <a:solidFill>
-                  <a:srgbClr val="FF0000"/>
-                </a:solidFill>
-              </a:rPr>
-              <a:t># grid search</a:t>
-            </a:r>
-            <a:r>
-              <a:rPr lang="en-US"/>
-              <a:t>                                                                                                                                              </a:t>
-            </a:r>
-            <a:br>
-              <a:rPr lang="en-US"/>
-            </a:br>
-            <a:r>
-              <a:rPr lang="en-US"/>
-              <a:t>param_grid = {</a:t>
-            </a:r>
-            <a:r>
-              <a:rPr lang="en-US">
-                <a:solidFill>
-                  <a:srgbClr val="FF0000"/>
-                </a:solidFill>
-              </a:rPr>
-              <a:t>'hidden_layer_sizes'</a:t>
-            </a:r>
-            <a:r>
-              <a:rPr lang="en-US"/>
-              <a:t>: [ (5,), (6,), (7,), (8,), (9,), (10,),</a:t>
-            </a:r>
-            <a:br>
-              <a:rPr lang="en-US"/>
-            </a:br>
-            <a:r>
-              <a:rPr lang="en-US"/>
-              <a:t>                                      (11,), (12,), (13,), (14,), (15,), (16,),</a:t>
-            </a:r>
-            <a:br>
-              <a:rPr lang="en-US"/>
-            </a:br>
-            <a:r>
-              <a:rPr lang="en-US"/>
-              <a:t>                                      (17,), (18,), (19,), (20,)]}</a:t>
-            </a:r>
-            <a:br>
-              <a:rPr lang="en-US"/>
-            </a:br>
-            <a:r>
-              <a:rPr lang="en-US"/>
-              <a:t>grid = GridSearchCV(model, param_grid, cv=5)</a:t>
-            </a:r>
-            <a:br>
-              <a:rPr lang="en-US"/>
-            </a:br>
-            <a:r>
-              <a:rPr lang="en-US"/>
-              <a:t>grid.fit(X, actual_y)</a:t>
-            </a:r>
-            <a:br>
-              <a:rPr lang="en-US"/>
-            </a:br>
-            <a:r>
-              <a:rPr lang="en-US"/>
-              <a:t>print("Grid Search: best parameters: {}".format(grid.best_params_))</a:t>
-            </a:r>
-            <a:br>
-              <a:rPr lang="en-US"/>
-            </a:br>
-            <a:r>
-              <a:rPr lang="en-US"/>
-              <a:t/>
-            </a:r>
-            <a:br>
-              <a:rPr lang="en-US"/>
-            </a:br>
-            <a:r>
-              <a:rPr lang="en-US">
-                <a:solidFill>
-                  <a:srgbClr val="FF0000"/>
-                </a:solidFill>
-              </a:rPr>
-              <a:t># evaluate the best model </a:t>
-            </a:r>
-            <a:r>
-              <a:rPr lang="en-US"/>
-              <a:t>                                                                                                                                 </a:t>
-            </a:r>
-            <a:br>
-              <a:rPr lang="en-US"/>
-            </a:br>
-            <a:r>
-              <a:rPr lang="en-US"/>
-              <a:t>best_model = grid.best_estimator_</a:t>
-            </a:r>
-            <a:br>
-              <a:rPr lang="en-US"/>
-            </a:br>
-            <a:r>
-              <a:rPr lang="en-US"/>
-              <a:t/>
-            </a:r>
-            <a:br>
-              <a:rPr lang="en-US"/>
-            </a:br>
-            <a:r>
-              <a:rPr lang="en-US"/>
-              <a:t>predict_y = best_model.predict(X)</a:t>
-            </a:r>
-            <a:br>
-              <a:rPr lang="en-US"/>
-            </a:br>
-            <a:r>
-              <a:rPr lang="en-US"/>
-              <a:t>print("Accuracy: {}".format(accuracy_score(actual_y, predict_y)))</a:t>
-            </a:r>
-            <a:br>
-              <a:rPr lang="en-US"/>
-            </a:br>
-            <a:r>
-              <a:rPr lang="en-US"/>
-              <a:t/>
-            </a:r>
-            <a:br>
-              <a:rPr lang="en-US"/>
-            </a:br>
-            <a:r>
-              <a:rPr lang="en-US">
-                <a:solidFill>
-                  <a:srgbClr val="FF0000"/>
-                </a:solidFill>
-              </a:rPr>
-              <a:t># build the confusion matrix </a:t>
-            </a:r>
-            <a:r>
-              <a:rPr lang="en-US"/>
-              <a:t>                                                                                                                              </a:t>
-            </a:r>
-            <a:br>
-              <a:rPr lang="en-US"/>
-            </a:br>
-            <a:r>
-              <a:rPr lang="en-US"/>
-              <a:t>labels = ['benign', 'malignant']</a:t>
-            </a:r>
-            <a:br>
-              <a:rPr lang="en-US"/>
-            </a:br>
-            <a:r>
-              <a:rPr lang="en-US"/>
-              <a:t>cm = confusion_matrix(actual_y, predict_y, labels=labels)</a:t>
-            </a:r>
-            <a:br>
-              <a:rPr lang="en-US"/>
-            </a:br>
-            <a:r>
-              <a:rPr lang="en-US"/>
-              <a:t>cm_df = pd.DataFrame(cm, index=labels, columns=labels)</a:t>
-            </a:r>
-            <a:br>
-              <a:rPr lang="en-US"/>
-            </a:br>
-            <a:r>
-              <a:rPr lang="en-US"/>
-              <a:t>print("Confusion Matrix:\n{}".format(cm_df))</a:t>
-            </a:r>
-            <a:br>
-              <a:rPr lang="en-US"/>
-            </a:br>
-            <a:r>
-              <a:rPr lang="en-US"/>
-              <a:t/>
-            </a:r>
-            <a:br>
-              <a:rPr lang="en-US"/>
-            </a:br>
-            <a:r>
-              <a:rPr lang="en-US">
-                <a:solidFill>
-                  <a:srgbClr val="FF0000"/>
-                </a:solidFill>
-              </a:rPr>
-              <a:t># boostrapped confidence interval </a:t>
-            </a:r>
-            <a:r>
-              <a:rPr lang="en-US"/>
-              <a:t>                                                                                                                         </a:t>
-            </a:r>
-            <a:br>
-              <a:rPr lang="en-US"/>
-            </a:br>
-            <a:r>
-              <a:rPr lang="en-US"/>
-              <a:t>print("Confidence interval best MLP: {}".format(bootstrap(best_model,df,'class')))</a:t>
-            </a:r>
-            <a:br>
-              <a:rPr lang="en-US"/>
-            </a:br>
-            <a:endParaRPr/>
-          </a:p>
-        </p:txBody>
-      </p:sp>
-    </p:spTree>
-  </p:cSld>
-  <p:clrMapOvr>
-    <a:masterClrMapping/>
-  </p:clrMapOvr>
-</p:sld>
-</file>
-
-<file path=ppt/slides/slide21.xml><?xml version="1.0" encoding="utf-8"?>
-<p:sld xmlns:a="http://schemas.openxmlformats.org/drawingml/2006/main" xmlns:r="http://schemas.openxmlformats.org/officeDocument/2006/relationships" xmlns:p="http://schemas.openxmlformats.org/presentationml/2006/main">
-  <p:cSld>
-    <p:spTree>
-      <p:nvGrpSpPr>
-        <p:cNvPr id="1" name="Shape 402"/>
-        <p:cNvGrpSpPr/>
-        <p:nvPr/>
-      </p:nvGrpSpPr>
-      <p:grpSpPr>
-        <a:xfrm>
-          <a:off x="0" y="0"/>
-          <a:ext cx="0" cy="0"/>
-          <a:chOff x="0" y="0"/>
-          <a:chExt cx="0" cy="0"/>
-        </a:xfrm>
-      </p:grpSpPr>
-      <p:sp>
-        <p:nvSpPr>
-          <p:cNvPr id="403" name="Shape 403"/>
-          <p:cNvSpPr txBox="1">
-            <a:spLocks noGrp="1"/>
-          </p:cNvSpPr>
-          <p:nvPr>
-            <p:ph type="title"/>
-          </p:nvPr>
-        </p:nvSpPr>
-        <p:spPr>
-          <a:xfrm>
-            <a:off x="311700" y="593367"/>
-            <a:ext cx="8520600" cy="763500"/>
-          </a:xfrm>
-          <a:prstGeom prst="rect">
-            <a:avLst/>
-          </a:prstGeom>
-        </p:spPr>
-        <p:txBody>
-          <a:bodyPr spcFirstLastPara="1" wrap="square" lIns="91425" tIns="91425" rIns="91425" bIns="91425" anchor="t" anchorCtr="0">
-            <a:noAutofit/>
-          </a:bodyPr>
-          <a:lstStyle/>
-          <a:p>
-            <a:pPr marL="0" lvl="0" indent="0" rtl="0">
-              <a:spcBef>
-                <a:spcPts val="0"/>
-              </a:spcBef>
-              <a:spcAft>
-                <a:spcPts val="0"/>
-              </a:spcAft>
-              <a:buNone/>
-            </a:pPr>
-            <a:r>
-              <a:rPr lang="en-US"/>
-              <a:t>MLP Grid Search</a:t>
-            </a:r>
-            <a:endParaRPr/>
-          </a:p>
-        </p:txBody>
-      </p:sp>
-      <p:sp>
-        <p:nvSpPr>
-          <p:cNvPr id="404" name="Shape 404"/>
-          <p:cNvSpPr txBox="1"/>
-          <p:nvPr/>
-        </p:nvSpPr>
-        <p:spPr>
-          <a:xfrm>
-            <a:off x="443550" y="1705975"/>
-            <a:ext cx="8137500" cy="2456700"/>
-          </a:xfrm>
-          <a:prstGeom prst="rect">
-            <a:avLst/>
-          </a:prstGeom>
-          <a:solidFill>
-            <a:schemeClr val="lt2"/>
-          </a:solidFill>
-          <a:ln w="9525" cap="flat" cmpd="sng">
-            <a:solidFill>
-              <a:srgbClr val="434343"/>
-            </a:solidFill>
-            <a:prstDash val="solid"/>
-            <a:round/>
-            <a:headEnd type="none" w="sm" len="sm"/>
-            <a:tailEnd type="none" w="sm" len="sm"/>
-          </a:ln>
-        </p:spPr>
-        <p:txBody>
-          <a:bodyPr spcFirstLastPara="1" wrap="square" lIns="91425" tIns="91425" rIns="91425" bIns="91425" anchor="t" anchorCtr="0">
-            <a:noAutofit/>
-          </a:bodyPr>
-          <a:lstStyle/>
-          <a:p>
-            <a:pPr marL="0" lvl="0" indent="0">
-              <a:spcBef>
-                <a:spcPts val="0"/>
-              </a:spcBef>
-              <a:spcAft>
-                <a:spcPts val="0"/>
-              </a:spcAft>
-              <a:buNone/>
-            </a:pPr>
-            <a:r>
-              <a:rPr lang="en-US" dirty="0">
-                <a:latin typeface="Courier New"/>
-                <a:ea typeface="Courier New"/>
-                <a:cs typeface="Courier New"/>
-                <a:sym typeface="Courier New"/>
-              </a:rPr>
-              <a:t>Grid Search: best parameters: {'</a:t>
-            </a:r>
-            <a:r>
-              <a:rPr lang="en-US" dirty="0" err="1">
-                <a:latin typeface="Courier New"/>
-                <a:ea typeface="Courier New"/>
-                <a:cs typeface="Courier New"/>
-                <a:sym typeface="Courier New"/>
-              </a:rPr>
-              <a:t>hidden_layer_sizes</a:t>
-            </a:r>
-            <a:r>
-              <a:rPr lang="en-US" dirty="0">
-                <a:latin typeface="Courier New"/>
-                <a:ea typeface="Courier New"/>
-                <a:cs typeface="Courier New"/>
-                <a:sym typeface="Courier New"/>
-              </a:rPr>
-              <a:t>': (9,)}</a:t>
-            </a:r>
-            <a:br>
-              <a:rPr lang="en-US" dirty="0">
-                <a:latin typeface="Courier New"/>
-                <a:ea typeface="Courier New"/>
-                <a:cs typeface="Courier New"/>
-                <a:sym typeface="Courier New"/>
-              </a:rPr>
-            </a:br>
-            <a:r>
-              <a:rPr lang="en-US" dirty="0">
-                <a:latin typeface="Courier New"/>
-                <a:ea typeface="Courier New"/>
-                <a:cs typeface="Courier New"/>
-                <a:sym typeface="Courier New"/>
-              </a:rPr>
-              <a:t>Accuracy: 0.9707174231332357</a:t>
-            </a:r>
-            <a:br>
-              <a:rPr lang="en-US" dirty="0">
-                <a:latin typeface="Courier New"/>
-                <a:ea typeface="Courier New"/>
-                <a:cs typeface="Courier New"/>
-                <a:sym typeface="Courier New"/>
-              </a:rPr>
-            </a:br>
-            <a:r>
-              <a:rPr lang="en-US" dirty="0">
-                <a:latin typeface="Courier New"/>
-                <a:ea typeface="Courier New"/>
-                <a:cs typeface="Courier New"/>
-                <a:sym typeface="Courier New"/>
-              </a:rPr>
-              <a:t>Confusion Matrix:</a:t>
-            </a:r>
-            <a:br>
-              <a:rPr lang="en-US" dirty="0">
-                <a:latin typeface="Courier New"/>
-                <a:ea typeface="Courier New"/>
-                <a:cs typeface="Courier New"/>
-                <a:sym typeface="Courier New"/>
-              </a:rPr>
-            </a:br>
-            <a:r>
-              <a:rPr lang="en-US" dirty="0">
-                <a:latin typeface="Courier New"/>
-                <a:ea typeface="Courier New"/>
-                <a:cs typeface="Courier New"/>
-                <a:sym typeface="Courier New"/>
-              </a:rPr>
-              <a:t>           benign  malignant</a:t>
-            </a:r>
-            <a:br>
-              <a:rPr lang="en-US" dirty="0">
-                <a:latin typeface="Courier New"/>
-                <a:ea typeface="Courier New"/>
-                <a:cs typeface="Courier New"/>
-                <a:sym typeface="Courier New"/>
-              </a:rPr>
-            </a:br>
-            <a:r>
-              <a:rPr lang="en-US" dirty="0">
-                <a:latin typeface="Courier New"/>
-                <a:ea typeface="Courier New"/>
-                <a:cs typeface="Courier New"/>
-                <a:sym typeface="Courier New"/>
-              </a:rPr>
-              <a:t>benign        435          9</a:t>
-            </a:r>
-            <a:br>
-              <a:rPr lang="en-US" dirty="0">
-                <a:latin typeface="Courier New"/>
-                <a:ea typeface="Courier New"/>
-                <a:cs typeface="Courier New"/>
-                <a:sym typeface="Courier New"/>
-              </a:rPr>
-            </a:br>
-            <a:r>
-              <a:rPr lang="en-US" dirty="0">
-                <a:latin typeface="Courier New"/>
-                <a:ea typeface="Courier New"/>
-                <a:cs typeface="Courier New"/>
-                <a:sym typeface="Courier New"/>
-              </a:rPr>
-              <a:t>malignant      11        228</a:t>
-            </a:r>
-            <a:br>
-              <a:rPr lang="en-US" dirty="0">
-                <a:latin typeface="Courier New"/>
-                <a:ea typeface="Courier New"/>
-                <a:cs typeface="Courier New"/>
-                <a:sym typeface="Courier New"/>
-              </a:rPr>
-            </a:br>
-            <a:r>
-              <a:rPr lang="en-US" dirty="0">
-                <a:latin typeface="Courier New"/>
-                <a:ea typeface="Courier New"/>
-                <a:cs typeface="Courier New"/>
-                <a:sym typeface="Courier New"/>
-              </a:rPr>
-              <a:t>Confidence interval best MLP: (0.93412408759124088, 0.9928832116788322)</a:t>
-            </a:r>
-            <a:br>
-              <a:rPr lang="en-US" dirty="0">
-                <a:latin typeface="Courier New"/>
-                <a:ea typeface="Courier New"/>
-                <a:cs typeface="Courier New"/>
-                <a:sym typeface="Courier New"/>
-              </a:rPr>
-            </a:br>
-            <a:endParaRPr dirty="0">
-              <a:latin typeface="Courier New"/>
-              <a:ea typeface="Courier New"/>
-              <a:cs typeface="Courier New"/>
-              <a:sym typeface="Courier New"/>
-            </a:endParaRPr>
-          </a:p>
-        </p:txBody>
-      </p:sp>
-    </p:spTree>
-  </p:cSld>
-  <p:clrMapOvr>
-    <a:masterClrMapping/>
-  </p:clrMapOvr>
-</p:sld>
-</file>
-
-<file path=ppt/slides/slide22.xml><?xml version="1.0" encoding="utf-8"?>
-<p:sld xmlns:a="http://schemas.openxmlformats.org/drawingml/2006/main" xmlns:r="http://schemas.openxmlformats.org/officeDocument/2006/relationships" xmlns:p="http://schemas.openxmlformats.org/presentationml/2006/main">
-  <p:cSld>
-    <p:spTree>
-      <p:nvGrpSpPr>
-        <p:cNvPr id="1" name="Shape 416"/>
-        <p:cNvGrpSpPr/>
-        <p:nvPr/>
-      </p:nvGrpSpPr>
-      <p:grpSpPr>
-        <a:xfrm>
-          <a:off x="0" y="0"/>
-          <a:ext cx="0" cy="0"/>
-          <a:chOff x="0" y="0"/>
-          <a:chExt cx="0" cy="0"/>
-        </a:xfrm>
-      </p:grpSpPr>
-      <p:sp>
-        <p:nvSpPr>
-          <p:cNvPr id="417" name="Shape 417"/>
-          <p:cNvSpPr txBox="1">
-            <a:spLocks noGrp="1"/>
-          </p:cNvSpPr>
-          <p:nvPr>
-            <p:ph type="title"/>
-          </p:nvPr>
-        </p:nvSpPr>
-        <p:spPr>
-          <a:xfrm>
-            <a:off x="311700" y="593367"/>
-            <a:ext cx="8520600" cy="763500"/>
-          </a:xfrm>
-          <a:prstGeom prst="rect">
-            <a:avLst/>
-          </a:prstGeom>
-        </p:spPr>
-        <p:txBody>
-          <a:bodyPr spcFirstLastPara="1" wrap="square" lIns="91425" tIns="91425" rIns="91425" bIns="91425" anchor="t" anchorCtr="0">
-            <a:noAutofit/>
-          </a:bodyPr>
-          <a:lstStyle/>
-          <a:p>
-            <a:pPr marL="0" lvl="0" indent="0">
-              <a:spcBef>
-                <a:spcPts val="0"/>
-              </a:spcBef>
-              <a:spcAft>
-                <a:spcPts val="0"/>
-              </a:spcAft>
-              <a:buNone/>
-            </a:pPr>
-            <a:r>
-              <a:rPr lang="en-US" dirty="0" smtClean="0"/>
-              <a:t>Team Exercise</a:t>
-            </a:r>
-            <a:endParaRPr dirty="0"/>
-          </a:p>
-        </p:txBody>
-      </p:sp>
-      <p:sp>
-        <p:nvSpPr>
-          <p:cNvPr id="418" name="Shape 418"/>
-          <p:cNvSpPr txBox="1">
-            <a:spLocks noGrp="1"/>
-          </p:cNvSpPr>
-          <p:nvPr>
-            <p:ph type="body" idx="1"/>
-          </p:nvPr>
-        </p:nvSpPr>
-        <p:spPr>
-          <a:xfrm>
-            <a:off x="311700" y="1536634"/>
-            <a:ext cx="7767175" cy="3075560"/>
-          </a:xfrm>
-          <a:prstGeom prst="rect">
-            <a:avLst/>
-          </a:prstGeom>
-        </p:spPr>
-        <p:txBody>
-          <a:bodyPr spcFirstLastPara="1" wrap="square" lIns="91425" tIns="91425" rIns="91425" bIns="91425" anchor="t" anchorCtr="0">
-            <a:normAutofit fontScale="85000" lnSpcReduction="20000"/>
-          </a:bodyPr>
-          <a:lstStyle/>
-          <a:p>
-            <a:pPr marL="0" lvl="0" indent="0">
-              <a:spcBef>
-                <a:spcPts val="0"/>
-              </a:spcBef>
-              <a:spcAft>
-                <a:spcPts val="0"/>
-              </a:spcAft>
-              <a:buNone/>
-            </a:pPr>
-            <a:r>
-              <a:rPr lang="en-US" dirty="0" smtClean="0"/>
-              <a:t>Use </a:t>
-            </a:r>
-            <a:r>
-              <a:rPr lang="en-US" dirty="0"/>
-              <a:t>the Crohn’s Disease dataset: </a:t>
-            </a:r>
-            <a:r>
-              <a:rPr lang="en-US" dirty="0" err="1"/>
-              <a:t>CrohnD</a:t>
-            </a:r>
-            <a:endParaRPr dirty="0"/>
-          </a:p>
-          <a:p>
-            <a:pPr marL="0" lvl="0" indent="0">
-              <a:spcBef>
-                <a:spcPts val="1600"/>
-              </a:spcBef>
-              <a:spcAft>
-                <a:spcPts val="0"/>
-              </a:spcAft>
-              <a:buNone/>
-            </a:pPr>
-            <a:r>
-              <a:rPr lang="en-US" dirty="0"/>
-              <a:t>	</a:t>
-            </a:r>
-            <a:r>
-              <a:rPr lang="en-US" u="sng" dirty="0">
-                <a:solidFill>
-                  <a:schemeClr val="hlink"/>
-                </a:solidFill>
-                <a:hlinkClick r:id="rId3"/>
-              </a:rPr>
-              <a:t>https://vincentarelbundock.github.io/Rdatasets/datasets.html</a:t>
-            </a:r>
-            <a:endParaRPr dirty="0"/>
-          </a:p>
-          <a:p>
-            <a:pPr marL="0" lvl="0" indent="0">
-              <a:spcBef>
-                <a:spcPts val="1600"/>
-              </a:spcBef>
-              <a:spcAft>
-                <a:spcPts val="0"/>
-              </a:spcAft>
-              <a:buNone/>
-            </a:pPr>
-            <a:r>
-              <a:rPr lang="en-US" dirty="0"/>
-              <a:t>You will need to preprocess this before you can use it: </a:t>
-            </a:r>
-            <a:br>
-              <a:rPr lang="en-US" dirty="0"/>
-            </a:br>
-            <a:r>
-              <a:rPr lang="en-US" dirty="0"/>
-              <a:t>		c1 -&gt; 0, c2 -&gt; 1, F -&gt; 0, M -&gt; 1</a:t>
-            </a:r>
-            <a:endParaRPr dirty="0"/>
-          </a:p>
-          <a:p>
-            <a:pPr marL="0" lvl="0" indent="0">
-              <a:spcBef>
-                <a:spcPts val="1600"/>
-              </a:spcBef>
-              <a:spcAft>
-                <a:spcPts val="0"/>
-              </a:spcAft>
-              <a:buNone/>
-            </a:pPr>
-            <a:r>
-              <a:rPr lang="en-US" dirty="0"/>
-              <a:t>Build a ANN/MLP with the best cross-validated performance you can find.</a:t>
-            </a:r>
-            <a:endParaRPr dirty="0"/>
-          </a:p>
-          <a:p>
-            <a:pPr marL="0" lvl="0" indent="0">
-              <a:spcBef>
-                <a:spcPts val="1600"/>
-              </a:spcBef>
-              <a:spcAft>
-                <a:spcPts val="0"/>
-              </a:spcAft>
-              <a:buNone/>
-            </a:pPr>
-            <a:r>
-              <a:rPr lang="en-US" dirty="0"/>
-              <a:t>Compare it to either a tree or a KNN (or both).</a:t>
-            </a:r>
-            <a:endParaRPr dirty="0"/>
-          </a:p>
-          <a:p>
-            <a:pPr marL="0" lvl="0" indent="0">
-              <a:spcBef>
-                <a:spcPts val="1600"/>
-              </a:spcBef>
-              <a:spcAft>
-                <a:spcPts val="1600"/>
-              </a:spcAft>
-              <a:buNone/>
-            </a:pPr>
-            <a:r>
-              <a:rPr lang="en-US" dirty="0"/>
-              <a:t>Report if the difference between the models is statistically significant.</a:t>
-            </a:r>
-            <a:endParaRPr dirty="0"/>
-          </a:p>
-        </p:txBody>
-      </p:sp>
-      <p:sp>
-        <p:nvSpPr>
-          <p:cNvPr id="2" name="TextBox 1"/>
-          <p:cNvSpPr txBox="1"/>
-          <p:nvPr/>
-        </p:nvSpPr>
-        <p:spPr>
-          <a:xfrm>
-            <a:off x="834013" y="4712677"/>
-            <a:ext cx="2940228" cy="2246769"/>
-          </a:xfrm>
-          <a:prstGeom prst="rect">
-            <a:avLst/>
-          </a:prstGeom>
-          <a:noFill/>
-        </p:spPr>
-        <p:txBody>
-          <a:bodyPr wrap="none" rtlCol="0">
-            <a:spAutoFit/>
-          </a:bodyPr>
-          <a:lstStyle/>
-          <a:p>
-            <a:r>
-              <a:rPr lang="en-US" b="1" u="sng" dirty="0" smtClean="0"/>
-              <a:t>Teams:</a:t>
-            </a:r>
-          </a:p>
-          <a:p>
-            <a:r>
-              <a:rPr lang="en-US" dirty="0" smtClean="0"/>
-              <a:t>Team </a:t>
-            </a:r>
-            <a:r>
-              <a:rPr lang="en-US" dirty="0"/>
-              <a:t>0: </a:t>
-            </a:r>
-            <a:r>
-              <a:rPr lang="en-US" dirty="0" err="1"/>
-              <a:t>Shehjar</a:t>
-            </a:r>
-            <a:r>
-              <a:rPr lang="en-US" dirty="0"/>
-              <a:t> </a:t>
-            </a:r>
-            <a:r>
-              <a:rPr lang="en-US" dirty="0" err="1"/>
-              <a:t>Harout</a:t>
-            </a:r>
-            <a:r>
-              <a:rPr lang="en-US" dirty="0"/>
-              <a:t> </a:t>
-            </a:r>
-            <a:r>
-              <a:rPr lang="en-US" dirty="0" err="1"/>
-              <a:t>Geron</a:t>
-            </a:r>
-            <a:r>
-              <a:rPr lang="en-US" dirty="0"/>
-              <a:t> </a:t>
-            </a:r>
-          </a:p>
-          <a:p>
-            <a:r>
-              <a:rPr lang="en-US" dirty="0"/>
-              <a:t>Team 1: </a:t>
-            </a:r>
-            <a:r>
-              <a:rPr lang="en-US" dirty="0" err="1"/>
-              <a:t>Aakash</a:t>
-            </a:r>
-            <a:r>
-              <a:rPr lang="en-US" dirty="0"/>
-              <a:t> Cory Christopher </a:t>
-            </a:r>
-          </a:p>
-          <a:p>
-            <a:r>
-              <a:rPr lang="en-US" dirty="0"/>
-              <a:t>Team 2: Maurice Kevin Ben </a:t>
-            </a:r>
-          </a:p>
-          <a:p>
-            <a:r>
-              <a:rPr lang="en-US" dirty="0"/>
-              <a:t>Team 3: </a:t>
-            </a:r>
-            <a:r>
-              <a:rPr lang="en-US" dirty="0" err="1"/>
-              <a:t>Najib</a:t>
-            </a:r>
-            <a:r>
-              <a:rPr lang="en-US" dirty="0"/>
-              <a:t> Aguilar </a:t>
-            </a:r>
-            <a:r>
-              <a:rPr lang="en-US" dirty="0" err="1"/>
-              <a:t>Ronil</a:t>
-            </a:r>
-            <a:r>
-              <a:rPr lang="en-US" dirty="0"/>
-              <a:t> </a:t>
-            </a:r>
-          </a:p>
-          <a:p>
-            <a:r>
-              <a:rPr lang="en-US" dirty="0"/>
-              <a:t>Team 4: Joe </a:t>
-            </a:r>
-            <a:r>
-              <a:rPr lang="en-US" dirty="0" err="1"/>
-              <a:t>Shamal</a:t>
-            </a:r>
-            <a:r>
-              <a:rPr lang="en-US" dirty="0"/>
-              <a:t> Gabe </a:t>
-            </a:r>
-          </a:p>
-          <a:p>
-            <a:r>
-              <a:rPr lang="en-US" dirty="0"/>
-              <a:t>Team 5: </a:t>
-            </a:r>
-            <a:r>
-              <a:rPr lang="en-US" dirty="0" err="1"/>
-              <a:t>Kermalyn</a:t>
-            </a:r>
-            <a:r>
-              <a:rPr lang="en-US" dirty="0"/>
-              <a:t> Peter </a:t>
-            </a:r>
-            <a:r>
-              <a:rPr lang="en-US" dirty="0" err="1"/>
-              <a:t>David_M</a:t>
-            </a:r>
-            <a:r>
-              <a:rPr lang="en-US" dirty="0"/>
-              <a:t> </a:t>
-            </a:r>
-          </a:p>
-          <a:p>
-            <a:r>
-              <a:rPr lang="en-US" dirty="0"/>
-              <a:t>Team 6: Matt Alexander </a:t>
-            </a:r>
-            <a:r>
-              <a:rPr lang="en-US" dirty="0" err="1"/>
-              <a:t>Alber</a:t>
-            </a:r>
-            <a:r>
-              <a:rPr lang="en-US" dirty="0"/>
-              <a:t> </a:t>
-            </a:r>
-          </a:p>
-          <a:p>
-            <a:r>
-              <a:rPr lang="en-US" dirty="0"/>
-              <a:t>Team 7: Evelyn </a:t>
-            </a:r>
-            <a:r>
-              <a:rPr lang="en-US" dirty="0" err="1"/>
-              <a:t>Susallin</a:t>
-            </a:r>
-            <a:r>
-              <a:rPr lang="en-US" dirty="0"/>
-              <a:t> </a:t>
-            </a:r>
-            <a:r>
-              <a:rPr lang="en-US" dirty="0" err="1"/>
-              <a:t>David_P</a:t>
-            </a:r>
-            <a:r>
-              <a:rPr lang="en-US" dirty="0"/>
-              <a:t> </a:t>
-            </a:r>
-          </a:p>
-          <a:p>
-            <a:endParaRPr lang="en-US" dirty="0"/>
-          </a:p>
-        </p:txBody>
-      </p:sp>
     </p:spTree>
   </p:cSld>
   <p:clrMapOvr>
